--- a/JiaChenghao/合作协同进化算法解决作业调度问题.pptx
+++ b/JiaChenghao/合作协同进化算法解决作业调度问题.pptx
@@ -5,15 +5,23 @@
     <p:sldMasterId id="2147483672" r:id="rId1"/>
   </p:sldMasterIdLst>
   <p:notesMasterIdLst>
-    <p:notesMasterId r:id="rId8"/>
+    <p:notesMasterId r:id="rId16"/>
   </p:notesMasterIdLst>
   <p:sldIdLst>
     <p:sldId id="256" r:id="rId2"/>
-    <p:sldId id="257" r:id="rId3"/>
-    <p:sldId id="258" r:id="rId4"/>
-    <p:sldId id="259" r:id="rId5"/>
-    <p:sldId id="260" r:id="rId6"/>
-    <p:sldId id="261" r:id="rId7"/>
+    <p:sldId id="262" r:id="rId3"/>
+    <p:sldId id="266" r:id="rId4"/>
+    <p:sldId id="257" r:id="rId5"/>
+    <p:sldId id="258" r:id="rId6"/>
+    <p:sldId id="259" r:id="rId7"/>
+    <p:sldId id="260" r:id="rId8"/>
+    <p:sldId id="261" r:id="rId9"/>
+    <p:sldId id="267" r:id="rId10"/>
+    <p:sldId id="263" r:id="rId11"/>
+    <p:sldId id="264" r:id="rId12"/>
+    <p:sldId id="265" r:id="rId13"/>
+    <p:sldId id="268" r:id="rId14"/>
+    <p:sldId id="269" r:id="rId15"/>
   </p:sldIdLst>
   <p:sldSz cx="9144000" cy="6858000" type="screen4x3"/>
   <p:notesSz cx="6858000" cy="9144000"/>
@@ -197,7 +205,8 @@
           <a:p>
             <a:fld id="{B5873AC6-A45E-40C3-BE90-F00AC2A4EBC1}" type="datetimeFigureOut">
               <a:rPr lang="zh-CN" altLang="en-US" smtClean="0"/>
-              <a:t>2019/3/21</a:t>
+              <a:pPr/>
+              <a:t>2019/4/26</a:t>
             </a:fld>
             <a:endParaRPr lang="zh-CN" altLang="en-US"/>
           </a:p>
@@ -358,6 +367,7 @@
           <a:p>
             <a:fld id="{2031CA11-CF1F-4E20-8FB1-29E134379CE0}" type="slidenum">
               <a:rPr lang="zh-CN" altLang="en-US" smtClean="0"/>
+              <a:pPr/>
               <a:t>‹#›</a:t>
             </a:fld>
             <a:endParaRPr lang="zh-CN" altLang="en-US"/>
@@ -582,7 +592,8 @@
           <a:p>
             <a:fld id="{2031CA11-CF1F-4E20-8FB1-29E134379CE0}" type="slidenum">
               <a:rPr lang="zh-CN" altLang="en-US" smtClean="0"/>
-              <a:t>3</a:t>
+              <a:pPr/>
+              <a:t>5</a:t>
             </a:fld>
             <a:endParaRPr lang="zh-CN" altLang="en-US"/>
           </a:p>
@@ -667,7 +678,8 @@
           <a:p>
             <a:fld id="{2031CA11-CF1F-4E20-8FB1-29E134379CE0}" type="slidenum">
               <a:rPr lang="zh-CN" altLang="en-US" smtClean="0"/>
-              <a:t>4</a:t>
+              <a:pPr/>
+              <a:t>6</a:t>
             </a:fld>
             <a:endParaRPr lang="zh-CN" altLang="en-US"/>
           </a:p>
@@ -748,7 +760,8 @@
           <a:p>
             <a:fld id="{2031CA11-CF1F-4E20-8FB1-29E134379CE0}" type="slidenum">
               <a:rPr lang="zh-CN" altLang="en-US" smtClean="0"/>
-              <a:t>5</a:t>
+              <a:pPr/>
+              <a:t>7</a:t>
             </a:fld>
             <a:endParaRPr lang="zh-CN" altLang="en-US"/>
           </a:p>
@@ -829,7 +842,336 @@
           <a:p>
             <a:fld id="{2031CA11-CF1F-4E20-8FB1-29E134379CE0}" type="slidenum">
               <a:rPr lang="zh-CN" altLang="en-US" smtClean="0"/>
-              <a:t>6</a:t>
+              <a:pPr/>
+              <a:t>8</a:t>
+            </a:fld>
+            <a:endParaRPr lang="zh-CN" altLang="en-US"/>
+          </a:p>
+        </p:txBody>
+      </p:sp>
+    </p:spTree>
+  </p:cSld>
+  <p:clrMapOvr>
+    <a:masterClrMapping/>
+  </p:clrMapOvr>
+</p:notes>
+</file>
+
+<file path=ppt/notesSlides/notesSlide5.xml><?xml version="1.0" encoding="utf-8"?>
+<p:notes xmlns:a="http://schemas.openxmlformats.org/drawingml/2006/main" xmlns:r="http://schemas.openxmlformats.org/officeDocument/2006/relationships" xmlns:p="http://schemas.openxmlformats.org/presentationml/2006/main">
+  <p:cSld>
+    <p:spTree>
+      <p:nvGrpSpPr>
+        <p:cNvPr id="1" name=""/>
+        <p:cNvGrpSpPr/>
+        <p:nvPr/>
+      </p:nvGrpSpPr>
+      <p:grpSpPr>
+        <a:xfrm>
+          <a:off x="0" y="0"/>
+          <a:ext cx="0" cy="0"/>
+          <a:chOff x="0" y="0"/>
+          <a:chExt cx="0" cy="0"/>
+        </a:xfrm>
+      </p:grpSpPr>
+      <p:sp>
+        <p:nvSpPr>
+          <p:cNvPr id="2" name="幻灯片图像占位符 1"/>
+          <p:cNvSpPr>
+            <a:spLocks noGrp="1" noRot="1" noChangeAspect="1"/>
+          </p:cNvSpPr>
+          <p:nvPr>
+            <p:ph type="sldImg"/>
+          </p:nvPr>
+        </p:nvSpPr>
+        <p:spPr/>
+      </p:sp>
+      <p:sp>
+        <p:nvSpPr>
+          <p:cNvPr id="3" name="备注占位符 2"/>
+          <p:cNvSpPr>
+            <a:spLocks noGrp="1"/>
+          </p:cNvSpPr>
+          <p:nvPr>
+            <p:ph type="body" idx="1"/>
+          </p:nvPr>
+        </p:nvSpPr>
+        <p:spPr/>
+        <p:txBody>
+          <a:bodyPr>
+            <a:normAutofit/>
+          </a:bodyPr>
+          <a:lstStyle/>
+          <a:p>
+            <a:endParaRPr lang="en-US" altLang="zh-CN" dirty="0" smtClean="0"/>
+          </a:p>
+        </p:txBody>
+      </p:sp>
+      <p:sp>
+        <p:nvSpPr>
+          <p:cNvPr id="4" name="灯片编号占位符 3"/>
+          <p:cNvSpPr>
+            <a:spLocks noGrp="1"/>
+          </p:cNvSpPr>
+          <p:nvPr>
+            <p:ph type="sldNum" sz="quarter" idx="10"/>
+          </p:nvPr>
+        </p:nvSpPr>
+        <p:spPr/>
+        <p:txBody>
+          <a:bodyPr/>
+          <a:lstStyle/>
+          <a:p>
+            <a:fld id="{2031CA11-CF1F-4E20-8FB1-29E134379CE0}" type="slidenum">
+              <a:rPr lang="zh-CN" altLang="en-US" smtClean="0"/>
+              <a:pPr/>
+              <a:t>10</a:t>
+            </a:fld>
+            <a:endParaRPr lang="zh-CN" altLang="en-US"/>
+          </a:p>
+        </p:txBody>
+      </p:sp>
+    </p:spTree>
+  </p:cSld>
+  <p:clrMapOvr>
+    <a:masterClrMapping/>
+  </p:clrMapOvr>
+</p:notes>
+</file>
+
+<file path=ppt/notesSlides/notesSlide6.xml><?xml version="1.0" encoding="utf-8"?>
+<p:notes xmlns:a="http://schemas.openxmlformats.org/drawingml/2006/main" xmlns:r="http://schemas.openxmlformats.org/officeDocument/2006/relationships" xmlns:p="http://schemas.openxmlformats.org/presentationml/2006/main">
+  <p:cSld>
+    <p:spTree>
+      <p:nvGrpSpPr>
+        <p:cNvPr id="1" name=""/>
+        <p:cNvGrpSpPr/>
+        <p:nvPr/>
+      </p:nvGrpSpPr>
+      <p:grpSpPr>
+        <a:xfrm>
+          <a:off x="0" y="0"/>
+          <a:ext cx="0" cy="0"/>
+          <a:chOff x="0" y="0"/>
+          <a:chExt cx="0" cy="0"/>
+        </a:xfrm>
+      </p:grpSpPr>
+      <p:sp>
+        <p:nvSpPr>
+          <p:cNvPr id="2" name="幻灯片图像占位符 1"/>
+          <p:cNvSpPr>
+            <a:spLocks noGrp="1" noRot="1" noChangeAspect="1"/>
+          </p:cNvSpPr>
+          <p:nvPr>
+            <p:ph type="sldImg"/>
+          </p:nvPr>
+        </p:nvSpPr>
+        <p:spPr/>
+      </p:sp>
+      <p:sp>
+        <p:nvSpPr>
+          <p:cNvPr id="3" name="备注占位符 2"/>
+          <p:cNvSpPr>
+            <a:spLocks noGrp="1"/>
+          </p:cNvSpPr>
+          <p:nvPr>
+            <p:ph type="body" idx="1"/>
+          </p:nvPr>
+        </p:nvSpPr>
+        <p:spPr/>
+        <p:txBody>
+          <a:bodyPr>
+            <a:normAutofit/>
+          </a:bodyPr>
+          <a:lstStyle/>
+          <a:p>
+            <a:endParaRPr lang="en-US" altLang="zh-CN" dirty="0" smtClean="0"/>
+          </a:p>
+        </p:txBody>
+      </p:sp>
+      <p:sp>
+        <p:nvSpPr>
+          <p:cNvPr id="4" name="灯片编号占位符 3"/>
+          <p:cNvSpPr>
+            <a:spLocks noGrp="1"/>
+          </p:cNvSpPr>
+          <p:nvPr>
+            <p:ph type="sldNum" sz="quarter" idx="10"/>
+          </p:nvPr>
+        </p:nvSpPr>
+        <p:spPr/>
+        <p:txBody>
+          <a:bodyPr/>
+          <a:lstStyle/>
+          <a:p>
+            <a:fld id="{2031CA11-CF1F-4E20-8FB1-29E134379CE0}" type="slidenum">
+              <a:rPr lang="zh-CN" altLang="en-US" smtClean="0"/>
+              <a:pPr/>
+              <a:t>11</a:t>
+            </a:fld>
+            <a:endParaRPr lang="zh-CN" altLang="en-US"/>
+          </a:p>
+        </p:txBody>
+      </p:sp>
+    </p:spTree>
+  </p:cSld>
+  <p:clrMapOvr>
+    <a:masterClrMapping/>
+  </p:clrMapOvr>
+</p:notes>
+</file>
+
+<file path=ppt/notesSlides/notesSlide7.xml><?xml version="1.0" encoding="utf-8"?>
+<p:notes xmlns:a="http://schemas.openxmlformats.org/drawingml/2006/main" xmlns:r="http://schemas.openxmlformats.org/officeDocument/2006/relationships" xmlns:p="http://schemas.openxmlformats.org/presentationml/2006/main">
+  <p:cSld>
+    <p:spTree>
+      <p:nvGrpSpPr>
+        <p:cNvPr id="1" name=""/>
+        <p:cNvGrpSpPr/>
+        <p:nvPr/>
+      </p:nvGrpSpPr>
+      <p:grpSpPr>
+        <a:xfrm>
+          <a:off x="0" y="0"/>
+          <a:ext cx="0" cy="0"/>
+          <a:chOff x="0" y="0"/>
+          <a:chExt cx="0" cy="0"/>
+        </a:xfrm>
+      </p:grpSpPr>
+      <p:sp>
+        <p:nvSpPr>
+          <p:cNvPr id="2" name="幻灯片图像占位符 1"/>
+          <p:cNvSpPr>
+            <a:spLocks noGrp="1" noRot="1" noChangeAspect="1"/>
+          </p:cNvSpPr>
+          <p:nvPr>
+            <p:ph type="sldImg"/>
+          </p:nvPr>
+        </p:nvSpPr>
+        <p:spPr/>
+      </p:sp>
+      <p:sp>
+        <p:nvSpPr>
+          <p:cNvPr id="3" name="备注占位符 2"/>
+          <p:cNvSpPr>
+            <a:spLocks noGrp="1"/>
+          </p:cNvSpPr>
+          <p:nvPr>
+            <p:ph type="body" idx="1"/>
+          </p:nvPr>
+        </p:nvSpPr>
+        <p:spPr/>
+        <p:txBody>
+          <a:bodyPr>
+            <a:normAutofit/>
+          </a:bodyPr>
+          <a:lstStyle/>
+          <a:p>
+            <a:endParaRPr lang="en-US" altLang="zh-CN" dirty="0" smtClean="0"/>
+          </a:p>
+        </p:txBody>
+      </p:sp>
+      <p:sp>
+        <p:nvSpPr>
+          <p:cNvPr id="4" name="灯片编号占位符 3"/>
+          <p:cNvSpPr>
+            <a:spLocks noGrp="1"/>
+          </p:cNvSpPr>
+          <p:nvPr>
+            <p:ph type="sldNum" sz="quarter" idx="10"/>
+          </p:nvPr>
+        </p:nvSpPr>
+        <p:spPr/>
+        <p:txBody>
+          <a:bodyPr/>
+          <a:lstStyle/>
+          <a:p>
+            <a:fld id="{2031CA11-CF1F-4E20-8FB1-29E134379CE0}" type="slidenum">
+              <a:rPr lang="zh-CN" altLang="en-US" smtClean="0"/>
+              <a:pPr/>
+              <a:t>12</a:t>
+            </a:fld>
+            <a:endParaRPr lang="zh-CN" altLang="en-US"/>
+          </a:p>
+        </p:txBody>
+      </p:sp>
+    </p:spTree>
+  </p:cSld>
+  <p:clrMapOvr>
+    <a:masterClrMapping/>
+  </p:clrMapOvr>
+</p:notes>
+</file>
+
+<file path=ppt/notesSlides/notesSlide8.xml><?xml version="1.0" encoding="utf-8"?>
+<p:notes xmlns:a="http://schemas.openxmlformats.org/drawingml/2006/main" xmlns:r="http://schemas.openxmlformats.org/officeDocument/2006/relationships" xmlns:p="http://schemas.openxmlformats.org/presentationml/2006/main">
+  <p:cSld>
+    <p:spTree>
+      <p:nvGrpSpPr>
+        <p:cNvPr id="1" name=""/>
+        <p:cNvGrpSpPr/>
+        <p:nvPr/>
+      </p:nvGrpSpPr>
+      <p:grpSpPr>
+        <a:xfrm>
+          <a:off x="0" y="0"/>
+          <a:ext cx="0" cy="0"/>
+          <a:chOff x="0" y="0"/>
+          <a:chExt cx="0" cy="0"/>
+        </a:xfrm>
+      </p:grpSpPr>
+      <p:sp>
+        <p:nvSpPr>
+          <p:cNvPr id="2" name="幻灯片图像占位符 1"/>
+          <p:cNvSpPr>
+            <a:spLocks noGrp="1" noRot="1" noChangeAspect="1"/>
+          </p:cNvSpPr>
+          <p:nvPr>
+            <p:ph type="sldImg"/>
+          </p:nvPr>
+        </p:nvSpPr>
+        <p:spPr/>
+      </p:sp>
+      <p:sp>
+        <p:nvSpPr>
+          <p:cNvPr id="3" name="备注占位符 2"/>
+          <p:cNvSpPr>
+            <a:spLocks noGrp="1"/>
+          </p:cNvSpPr>
+          <p:nvPr>
+            <p:ph type="body" idx="1"/>
+          </p:nvPr>
+        </p:nvSpPr>
+        <p:spPr/>
+        <p:txBody>
+          <a:bodyPr>
+            <a:normAutofit/>
+          </a:bodyPr>
+          <a:lstStyle/>
+          <a:p>
+            <a:endParaRPr lang="en-US" altLang="zh-CN" dirty="0" smtClean="0"/>
+          </a:p>
+        </p:txBody>
+      </p:sp>
+      <p:sp>
+        <p:nvSpPr>
+          <p:cNvPr id="4" name="灯片编号占位符 3"/>
+          <p:cNvSpPr>
+            <a:spLocks noGrp="1"/>
+          </p:cNvSpPr>
+          <p:nvPr>
+            <p:ph type="sldNum" sz="quarter" idx="10"/>
+          </p:nvPr>
+        </p:nvSpPr>
+        <p:spPr/>
+        <p:txBody>
+          <a:bodyPr/>
+          <a:lstStyle/>
+          <a:p>
+            <a:fld id="{2031CA11-CF1F-4E20-8FB1-29E134379CE0}" type="slidenum">
+              <a:rPr lang="zh-CN" altLang="en-US" smtClean="0"/>
+              <a:pPr/>
+              <a:t>14</a:t>
             </a:fld>
             <a:endParaRPr lang="zh-CN" altLang="en-US"/>
           </a:p>
@@ -980,7 +1322,8 @@
           <a:p>
             <a:fld id="{23D01502-88E8-420A-9618-A4A4492D0C94}" type="datetimeFigureOut">
               <a:rPr lang="zh-CN" altLang="en-US" smtClean="0"/>
-              <a:t>2019/3/21</a:t>
+              <a:pPr/>
+              <a:t>2019/4/26</a:t>
             </a:fld>
             <a:endParaRPr lang="zh-CN" altLang="en-US"/>
           </a:p>
@@ -1726,6 +2069,7 @@
           <a:p>
             <a:fld id="{4F8948F7-24C2-4643-BBEC-8D55515C5CA3}" type="slidenum">
               <a:rPr lang="zh-CN" altLang="en-US" smtClean="0"/>
+              <a:pPr/>
               <a:t>‹#›</a:t>
             </a:fld>
             <a:endParaRPr lang="zh-CN" altLang="en-US"/>
@@ -1849,7 +2193,8 @@
           <a:p>
             <a:fld id="{23D01502-88E8-420A-9618-A4A4492D0C94}" type="datetimeFigureOut">
               <a:rPr lang="zh-CN" altLang="en-US" smtClean="0"/>
-              <a:t>2019/3/21</a:t>
+              <a:pPr/>
+              <a:t>2019/4/26</a:t>
             </a:fld>
             <a:endParaRPr lang="zh-CN" altLang="en-US"/>
           </a:p>
@@ -1891,6 +2236,7 @@
           <a:p>
             <a:fld id="{4F8948F7-24C2-4643-BBEC-8D55515C5CA3}" type="slidenum">
               <a:rPr lang="zh-CN" altLang="en-US" smtClean="0"/>
+              <a:pPr/>
               <a:t>‹#›</a:t>
             </a:fld>
             <a:endParaRPr lang="zh-CN" altLang="en-US"/>
@@ -2024,7 +2370,8 @@
           <a:p>
             <a:fld id="{23D01502-88E8-420A-9618-A4A4492D0C94}" type="datetimeFigureOut">
               <a:rPr lang="zh-CN" altLang="en-US" smtClean="0"/>
-              <a:t>2019/3/21</a:t>
+              <a:pPr/>
+              <a:t>2019/4/26</a:t>
             </a:fld>
             <a:endParaRPr lang="zh-CN" altLang="en-US"/>
           </a:p>
@@ -2066,6 +2413,7 @@
           <a:p>
             <a:fld id="{4F8948F7-24C2-4643-BBEC-8D55515C5CA3}" type="slidenum">
               <a:rPr lang="zh-CN" altLang="en-US" smtClean="0"/>
+              <a:pPr/>
               <a:t>‹#›</a:t>
             </a:fld>
             <a:endParaRPr lang="zh-CN" altLang="en-US"/>
@@ -2194,7 +2542,8 @@
           <a:p>
             <a:fld id="{23D01502-88E8-420A-9618-A4A4492D0C94}" type="datetimeFigureOut">
               <a:rPr lang="zh-CN" altLang="en-US" smtClean="0"/>
-              <a:t>2019/3/21</a:t>
+              <a:pPr/>
+              <a:t>2019/4/26</a:t>
             </a:fld>
             <a:endParaRPr lang="zh-CN" altLang="en-US"/>
           </a:p>
@@ -2217,6 +2566,7 @@
           <a:p>
             <a:fld id="{4F8948F7-24C2-4643-BBEC-8D55515C5CA3}" type="slidenum">
               <a:rPr lang="zh-CN" altLang="en-US" smtClean="0"/>
+              <a:pPr/>
               <a:t>‹#›</a:t>
             </a:fld>
             <a:endParaRPr lang="zh-CN" altLang="en-US"/>
@@ -2404,7 +2754,8 @@
           <a:p>
             <a:fld id="{23D01502-88E8-420A-9618-A4A4492D0C94}" type="datetimeFigureOut">
               <a:rPr lang="zh-CN" altLang="en-US" smtClean="0"/>
-              <a:t>2019/3/21</a:t>
+              <a:pPr/>
+              <a:t>2019/4/26</a:t>
             </a:fld>
             <a:endParaRPr lang="zh-CN" altLang="en-US"/>
           </a:p>
@@ -3147,6 +3498,7 @@
           <a:p>
             <a:fld id="{4F8948F7-24C2-4643-BBEC-8D55515C5CA3}" type="slidenum">
               <a:rPr lang="zh-CN" altLang="en-US" smtClean="0"/>
+              <a:pPr/>
               <a:t>‹#›</a:t>
             </a:fld>
             <a:endParaRPr lang="zh-CN" altLang="en-US"/>
@@ -3218,7 +3570,8 @@
           <a:p>
             <a:fld id="{23D01502-88E8-420A-9618-A4A4492D0C94}" type="datetimeFigureOut">
               <a:rPr lang="zh-CN" altLang="en-US" smtClean="0"/>
-              <a:t>2019/3/21</a:t>
+              <a:pPr/>
+              <a:t>2019/4/26</a:t>
             </a:fld>
             <a:endParaRPr lang="zh-CN" altLang="en-US"/>
           </a:p>
@@ -3260,6 +3613,7 @@
           <a:p>
             <a:fld id="{4F8948F7-24C2-4643-BBEC-8D55515C5CA3}" type="slidenum">
               <a:rPr lang="zh-CN" altLang="en-US" smtClean="0"/>
+              <a:pPr/>
               <a:t>‹#›</a:t>
             </a:fld>
             <a:endParaRPr lang="zh-CN" altLang="en-US"/>
@@ -3454,7 +3808,8 @@
           <a:p>
             <a:fld id="{23D01502-88E8-420A-9618-A4A4492D0C94}" type="datetimeFigureOut">
               <a:rPr lang="zh-CN" altLang="en-US" smtClean="0"/>
-              <a:t>2019/3/21</a:t>
+              <a:pPr/>
+              <a:t>2019/4/26</a:t>
             </a:fld>
             <a:endParaRPr lang="zh-CN" altLang="en-US"/>
           </a:p>
@@ -3496,6 +3851,7 @@
           <a:p>
             <a:fld id="{4F8948F7-24C2-4643-BBEC-8D55515C5CA3}" type="slidenum">
               <a:rPr lang="zh-CN" altLang="en-US" smtClean="0"/>
+              <a:pPr/>
               <a:t>‹#›</a:t>
             </a:fld>
             <a:endParaRPr lang="zh-CN" altLang="en-US"/>
@@ -3777,7 +4133,8 @@
           <a:p>
             <a:fld id="{23D01502-88E8-420A-9618-A4A4492D0C94}" type="datetimeFigureOut">
               <a:rPr lang="zh-CN" altLang="en-US" smtClean="0"/>
-              <a:t>2019/3/21</a:t>
+              <a:pPr/>
+              <a:t>2019/4/26</a:t>
             </a:fld>
             <a:endParaRPr lang="zh-CN" altLang="en-US"/>
           </a:p>
@@ -3800,6 +4157,7 @@
           <a:p>
             <a:fld id="{4F8948F7-24C2-4643-BBEC-8D55515C5CA3}" type="slidenum">
               <a:rPr lang="zh-CN" altLang="en-US" smtClean="0"/>
+              <a:pPr/>
               <a:t>‹#›</a:t>
             </a:fld>
             <a:endParaRPr lang="zh-CN" altLang="en-US"/>
@@ -3867,7 +4225,8 @@
           <a:p>
             <a:fld id="{23D01502-88E8-420A-9618-A4A4492D0C94}" type="datetimeFigureOut">
               <a:rPr lang="zh-CN" altLang="en-US" smtClean="0"/>
-              <a:t>2019/3/21</a:t>
+              <a:pPr/>
+              <a:t>2019/4/26</a:t>
             </a:fld>
             <a:endParaRPr lang="zh-CN" altLang="en-US"/>
           </a:p>
@@ -3909,6 +4268,7 @@
           <a:p>
             <a:fld id="{4F8948F7-24C2-4643-BBEC-8D55515C5CA3}" type="slidenum">
               <a:rPr lang="zh-CN" altLang="en-US" smtClean="0"/>
+              <a:pPr/>
               <a:t>‹#›</a:t>
             </a:fld>
             <a:endParaRPr lang="zh-CN" altLang="en-US"/>
@@ -4384,7 +4744,8 @@
           <a:p>
             <a:fld id="{23D01502-88E8-420A-9618-A4A4492D0C94}" type="datetimeFigureOut">
               <a:rPr lang="zh-CN" altLang="en-US" smtClean="0"/>
-              <a:t>2019/3/21</a:t>
+              <a:pPr/>
+              <a:t>2019/4/26</a:t>
             </a:fld>
             <a:endParaRPr lang="zh-CN" altLang="en-US"/>
           </a:p>
@@ -4407,6 +4768,7 @@
           <a:p>
             <a:fld id="{4F8948F7-24C2-4643-BBEC-8D55515C5CA3}" type="slidenum">
               <a:rPr lang="zh-CN" altLang="en-US" smtClean="0"/>
+              <a:pPr/>
               <a:t>‹#›</a:t>
             </a:fld>
             <a:endParaRPr lang="zh-CN" altLang="en-US"/>
@@ -4895,7 +5257,8 @@
           <a:p>
             <a:fld id="{23D01502-88E8-420A-9618-A4A4492D0C94}" type="datetimeFigureOut">
               <a:rPr lang="zh-CN" altLang="en-US" smtClean="0"/>
-              <a:t>2019/3/21</a:t>
+              <a:pPr/>
+              <a:t>2019/4/26</a:t>
             </a:fld>
             <a:endParaRPr lang="zh-CN" altLang="en-US"/>
           </a:p>
@@ -4918,6 +5281,7 @@
           <a:p>
             <a:fld id="{4F8948F7-24C2-4643-BBEC-8D55515C5CA3}" type="slidenum">
               <a:rPr lang="zh-CN" altLang="en-US" smtClean="0"/>
+              <a:pPr/>
               <a:t>‹#›</a:t>
             </a:fld>
             <a:endParaRPr lang="zh-CN" altLang="en-US"/>
@@ -5140,7 +5504,8 @@
           <a:p>
             <a:fld id="{23D01502-88E8-420A-9618-A4A4492D0C94}" type="datetimeFigureOut">
               <a:rPr lang="zh-CN" altLang="en-US" smtClean="0"/>
-              <a:t>2019/3/21</a:t>
+              <a:pPr/>
+              <a:t>2019/4/26</a:t>
             </a:fld>
             <a:endParaRPr lang="zh-CN" altLang="en-US"/>
           </a:p>
@@ -5416,6 +5781,7 @@
           <a:p>
             <a:fld id="{4F8948F7-24C2-4643-BBEC-8D55515C5CA3}" type="slidenum">
               <a:rPr lang="zh-CN" altLang="en-US" smtClean="0"/>
+              <a:pPr/>
               <a:t>‹#›</a:t>
             </a:fld>
             <a:endParaRPr lang="zh-CN" altLang="en-US"/>
@@ -5850,6 +6216,510 @@
 </p:sld>
 </file>
 
+<file path=ppt/slides/slide10.xml><?xml version="1.0" encoding="utf-8"?>
+<p:sld xmlns:a="http://schemas.openxmlformats.org/drawingml/2006/main" xmlns:r="http://schemas.openxmlformats.org/officeDocument/2006/relationships" xmlns:p="http://schemas.openxmlformats.org/presentationml/2006/main">
+  <p:cSld>
+    <p:spTree>
+      <p:nvGrpSpPr>
+        <p:cNvPr id="1" name=""/>
+        <p:cNvGrpSpPr/>
+        <p:nvPr/>
+      </p:nvGrpSpPr>
+      <p:grpSpPr>
+        <a:xfrm>
+          <a:off x="0" y="0"/>
+          <a:ext cx="0" cy="0"/>
+          <a:chOff x="0" y="0"/>
+          <a:chExt cx="0" cy="0"/>
+        </a:xfrm>
+      </p:grpSpPr>
+      <p:sp>
+        <p:nvSpPr>
+          <p:cNvPr id="2" name="标题 1"/>
+          <p:cNvSpPr>
+            <a:spLocks noGrp="1"/>
+          </p:cNvSpPr>
+          <p:nvPr>
+            <p:ph type="title"/>
+          </p:nvPr>
+        </p:nvSpPr>
+        <p:spPr/>
+        <p:txBody>
+          <a:bodyPr/>
+          <a:lstStyle/>
+          <a:p>
+            <a:r>
+              <a:rPr lang="en-US" altLang="zh-CN" dirty="0" smtClean="0"/>
+              <a:t>Implementation</a:t>
+            </a:r>
+            <a:endParaRPr lang="zh-CN" altLang="en-US" dirty="0"/>
+          </a:p>
+        </p:txBody>
+      </p:sp>
+      <p:sp>
+        <p:nvSpPr>
+          <p:cNvPr id="4" name="内容占位符 3"/>
+          <p:cNvSpPr>
+            <a:spLocks noGrp="1"/>
+          </p:cNvSpPr>
+          <p:nvPr>
+            <p:ph sz="quarter" idx="1"/>
+          </p:nvPr>
+        </p:nvSpPr>
+        <p:spPr>
+          <a:xfrm>
+            <a:off x="457200" y="1600200"/>
+            <a:ext cx="7715200" cy="4873752"/>
+          </a:xfrm>
+        </p:spPr>
+        <p:txBody>
+          <a:bodyPr/>
+          <a:lstStyle/>
+          <a:p>
+            <a:r>
+              <a:rPr lang="zh-CN" altLang="en-US" dirty="0" smtClean="0"/>
+              <a:t>本</a:t>
+            </a:r>
+            <a:r>
+              <a:rPr lang="zh-CN" altLang="en-US" dirty="0" smtClean="0"/>
+              <a:t>程序使用</a:t>
+            </a:r>
+            <a:r>
+              <a:rPr lang="en-US" altLang="zh-CN" dirty="0" smtClean="0"/>
+              <a:t>python</a:t>
+            </a:r>
+            <a:r>
+              <a:rPr lang="zh-CN" altLang="en-US" dirty="0" smtClean="0"/>
+              <a:t>语言进行编写，实现多种群协同进化算法来求解</a:t>
+            </a:r>
+            <a:r>
+              <a:rPr lang="en-US" altLang="zh-CN" dirty="0" smtClean="0"/>
+              <a:t>JSP</a:t>
+            </a:r>
+            <a:r>
+              <a:rPr lang="zh-CN" altLang="en-US" dirty="0" smtClean="0"/>
+              <a:t>问题。</a:t>
+            </a:r>
+            <a:endParaRPr lang="en-US" altLang="zh-CN" dirty="0" smtClean="0"/>
+          </a:p>
+          <a:p>
+            <a:r>
+              <a:rPr lang="zh-CN" altLang="en-US" dirty="0" smtClean="0"/>
+              <a:t>该程序以最小化最大加工时间为目标函数，在解空间内进行搜索求解。</a:t>
+            </a:r>
+            <a:endParaRPr lang="en-US" altLang="zh-CN" dirty="0" smtClean="0"/>
+          </a:p>
+        </p:txBody>
+      </p:sp>
+    </p:spTree>
+  </p:cSld>
+  <p:clrMapOvr>
+    <a:masterClrMapping/>
+  </p:clrMapOvr>
+</p:sld>
+</file>
+
+<file path=ppt/slides/slide11.xml><?xml version="1.0" encoding="utf-8"?>
+<p:sld xmlns:a="http://schemas.openxmlformats.org/drawingml/2006/main" xmlns:r="http://schemas.openxmlformats.org/officeDocument/2006/relationships" xmlns:p="http://schemas.openxmlformats.org/presentationml/2006/main">
+  <p:cSld>
+    <p:spTree>
+      <p:nvGrpSpPr>
+        <p:cNvPr id="1" name=""/>
+        <p:cNvGrpSpPr/>
+        <p:nvPr/>
+      </p:nvGrpSpPr>
+      <p:grpSpPr>
+        <a:xfrm>
+          <a:off x="0" y="0"/>
+          <a:ext cx="0" cy="0"/>
+          <a:chOff x="0" y="0"/>
+          <a:chExt cx="0" cy="0"/>
+        </a:xfrm>
+      </p:grpSpPr>
+      <p:sp>
+        <p:nvSpPr>
+          <p:cNvPr id="2" name="标题 1"/>
+          <p:cNvSpPr>
+            <a:spLocks noGrp="1"/>
+          </p:cNvSpPr>
+          <p:nvPr>
+            <p:ph type="title"/>
+          </p:nvPr>
+        </p:nvSpPr>
+        <p:spPr/>
+        <p:txBody>
+          <a:bodyPr/>
+          <a:lstStyle/>
+          <a:p>
+            <a:r>
+              <a:rPr lang="en-US" altLang="zh-CN" dirty="0" smtClean="0"/>
+              <a:t>Implementation</a:t>
+            </a:r>
+            <a:endParaRPr lang="zh-CN" altLang="en-US" dirty="0"/>
+          </a:p>
+        </p:txBody>
+      </p:sp>
+      <p:sp>
+        <p:nvSpPr>
+          <p:cNvPr id="4" name="内容占位符 3"/>
+          <p:cNvSpPr>
+            <a:spLocks noGrp="1"/>
+          </p:cNvSpPr>
+          <p:nvPr>
+            <p:ph sz="quarter" idx="1"/>
+          </p:nvPr>
+        </p:nvSpPr>
+        <p:spPr>
+          <a:xfrm>
+            <a:off x="457200" y="1600200"/>
+            <a:ext cx="7715200" cy="4873752"/>
+          </a:xfrm>
+        </p:spPr>
+        <p:txBody>
+          <a:bodyPr/>
+          <a:lstStyle/>
+          <a:p>
+            <a:r>
+              <a:rPr lang="zh-CN" altLang="en-US" dirty="0" smtClean="0"/>
+              <a:t>如</a:t>
+            </a:r>
+            <a:r>
+              <a:rPr lang="zh-CN" altLang="en-US" dirty="0" smtClean="0"/>
+              <a:t>图为某次程序运行后截图，</a:t>
+            </a:r>
+            <a:r>
+              <a:rPr lang="en-US" altLang="zh-CN" dirty="0" smtClean="0"/>
+              <a:t>100</a:t>
+            </a:r>
+            <a:r>
+              <a:rPr lang="zh-CN" altLang="en-US" dirty="0" smtClean="0"/>
+              <a:t>个初始种群，在经过</a:t>
+            </a:r>
+            <a:r>
+              <a:rPr lang="en-US" altLang="zh-CN" dirty="0" smtClean="0"/>
+              <a:t>458400</a:t>
+            </a:r>
+            <a:r>
+              <a:rPr lang="zh-CN" altLang="en-US" dirty="0" smtClean="0"/>
+              <a:t>次迭代后，得到局部最优值。从曲线可以看出该求解方法有效。</a:t>
+            </a:r>
+            <a:endParaRPr lang="en-US" altLang="zh-CN" dirty="0" smtClean="0"/>
+          </a:p>
+        </p:txBody>
+      </p:sp>
+      <p:pic>
+        <p:nvPicPr>
+          <p:cNvPr id="1026" name="Picture 2" descr="G:\贾程皓\Figure_1.png"/>
+          <p:cNvPicPr>
+            <a:picLocks noChangeAspect="1" noChangeArrowheads="1"/>
+          </p:cNvPicPr>
+          <p:nvPr/>
+        </p:nvPicPr>
+        <p:blipFill>
+          <a:blip r:embed="rId3" cstate="print"/>
+          <a:srcRect/>
+          <a:stretch>
+            <a:fillRect/>
+          </a:stretch>
+        </p:blipFill>
+        <p:spPr bwMode="auto">
+          <a:xfrm>
+            <a:off x="2267744" y="2852936"/>
+            <a:ext cx="4859153" cy="3645024"/>
+          </a:xfrm>
+          <a:prstGeom prst="rect">
+            <a:avLst/>
+          </a:prstGeom>
+          <a:noFill/>
+        </p:spPr>
+      </p:pic>
+    </p:spTree>
+  </p:cSld>
+  <p:clrMapOvr>
+    <a:masterClrMapping/>
+  </p:clrMapOvr>
+</p:sld>
+</file>
+
+<file path=ppt/slides/slide12.xml><?xml version="1.0" encoding="utf-8"?>
+<p:sld xmlns:a="http://schemas.openxmlformats.org/drawingml/2006/main" xmlns:r="http://schemas.openxmlformats.org/officeDocument/2006/relationships" xmlns:p="http://schemas.openxmlformats.org/presentationml/2006/main">
+  <p:cSld>
+    <p:spTree>
+      <p:nvGrpSpPr>
+        <p:cNvPr id="1" name=""/>
+        <p:cNvGrpSpPr/>
+        <p:nvPr/>
+      </p:nvGrpSpPr>
+      <p:grpSpPr>
+        <a:xfrm>
+          <a:off x="0" y="0"/>
+          <a:ext cx="0" cy="0"/>
+          <a:chOff x="0" y="0"/>
+          <a:chExt cx="0" cy="0"/>
+        </a:xfrm>
+      </p:grpSpPr>
+      <p:sp>
+        <p:nvSpPr>
+          <p:cNvPr id="2" name="标题 1"/>
+          <p:cNvSpPr>
+            <a:spLocks noGrp="1"/>
+          </p:cNvSpPr>
+          <p:nvPr>
+            <p:ph type="title"/>
+          </p:nvPr>
+        </p:nvSpPr>
+        <p:spPr/>
+        <p:txBody>
+          <a:bodyPr/>
+          <a:lstStyle/>
+          <a:p>
+            <a:r>
+              <a:rPr lang="en-US" altLang="zh-CN" dirty="0" smtClean="0"/>
+              <a:t>Implementation</a:t>
+            </a:r>
+            <a:endParaRPr lang="zh-CN" altLang="en-US" dirty="0"/>
+          </a:p>
+        </p:txBody>
+      </p:sp>
+      <p:sp>
+        <p:nvSpPr>
+          <p:cNvPr id="4" name="内容占位符 3"/>
+          <p:cNvSpPr>
+            <a:spLocks noGrp="1"/>
+          </p:cNvSpPr>
+          <p:nvPr>
+            <p:ph sz="quarter" idx="1"/>
+          </p:nvPr>
+        </p:nvSpPr>
+        <p:spPr>
+          <a:xfrm>
+            <a:off x="457200" y="1600200"/>
+            <a:ext cx="7715200" cy="4873752"/>
+          </a:xfrm>
+        </p:spPr>
+        <p:txBody>
+          <a:bodyPr/>
+          <a:lstStyle/>
+          <a:p>
+            <a:r>
+              <a:rPr lang="zh-CN" altLang="en-US" dirty="0" smtClean="0"/>
+              <a:t>为了更直观地看到结果，我使用较小的数据，生成甘特图如下。为其中前</a:t>
+            </a:r>
+            <a:r>
+              <a:rPr lang="en-US" altLang="zh-CN" dirty="0" smtClean="0"/>
+              <a:t>5</a:t>
+            </a:r>
+            <a:r>
+              <a:rPr lang="zh-CN" altLang="en-US" dirty="0" smtClean="0"/>
+              <a:t>台机器最终的不同工序的加工顺序和工时。</a:t>
+            </a:r>
+            <a:endParaRPr lang="en-US" altLang="zh-CN" dirty="0" smtClean="0"/>
+          </a:p>
+        </p:txBody>
+      </p:sp>
+      <p:pic>
+        <p:nvPicPr>
+          <p:cNvPr id="2050" name="Picture 2" descr="G:\贾程皓\捕获.PNG"/>
+          <p:cNvPicPr>
+            <a:picLocks noChangeAspect="1" noChangeArrowheads="1"/>
+          </p:cNvPicPr>
+          <p:nvPr/>
+        </p:nvPicPr>
+        <p:blipFill>
+          <a:blip r:embed="rId3" cstate="print"/>
+          <a:srcRect/>
+          <a:stretch>
+            <a:fillRect/>
+          </a:stretch>
+        </p:blipFill>
+        <p:spPr bwMode="auto">
+          <a:xfrm>
+            <a:off x="2195736" y="3212976"/>
+            <a:ext cx="4838700" cy="2752725"/>
+          </a:xfrm>
+          <a:prstGeom prst="rect">
+            <a:avLst/>
+          </a:prstGeom>
+          <a:noFill/>
+        </p:spPr>
+      </p:pic>
+    </p:spTree>
+  </p:cSld>
+  <p:clrMapOvr>
+    <a:masterClrMapping/>
+  </p:clrMapOvr>
+</p:sld>
+</file>
+
+<file path=ppt/slides/slide13.xml><?xml version="1.0" encoding="utf-8"?>
+<p:sld xmlns:a="http://schemas.openxmlformats.org/drawingml/2006/main" xmlns:r="http://schemas.openxmlformats.org/officeDocument/2006/relationships" xmlns:p="http://schemas.openxmlformats.org/presentationml/2006/main">
+  <p:cSld>
+    <p:spTree>
+      <p:nvGrpSpPr>
+        <p:cNvPr id="1" name=""/>
+        <p:cNvGrpSpPr/>
+        <p:nvPr/>
+      </p:nvGrpSpPr>
+      <p:grpSpPr>
+        <a:xfrm>
+          <a:off x="0" y="0"/>
+          <a:ext cx="0" cy="0"/>
+          <a:chOff x="0" y="0"/>
+          <a:chExt cx="0" cy="0"/>
+        </a:xfrm>
+      </p:grpSpPr>
+      <p:sp>
+        <p:nvSpPr>
+          <p:cNvPr id="4" name="标题 3"/>
+          <p:cNvSpPr>
+            <a:spLocks noGrp="1"/>
+          </p:cNvSpPr>
+          <p:nvPr>
+            <p:ph type="title"/>
+          </p:nvPr>
+        </p:nvSpPr>
+        <p:spPr/>
+        <p:txBody>
+          <a:bodyPr/>
+          <a:lstStyle/>
+          <a:p>
+            <a:r>
+              <a:rPr lang="zh-CN" altLang="en-US" dirty="0" smtClean="0"/>
+              <a:t>模型反思与改进</a:t>
+            </a:r>
+            <a:r>
+              <a:rPr lang="en-US" altLang="zh-CN" dirty="0" smtClean="0"/>
+              <a:t>	</a:t>
+            </a:r>
+            <a:endParaRPr lang="zh-CN" altLang="en-US" dirty="0"/>
+          </a:p>
+        </p:txBody>
+      </p:sp>
+      <p:sp>
+        <p:nvSpPr>
+          <p:cNvPr id="5" name="文本占位符 4"/>
+          <p:cNvSpPr>
+            <a:spLocks noGrp="1"/>
+          </p:cNvSpPr>
+          <p:nvPr>
+            <p:ph type="body" idx="1"/>
+          </p:nvPr>
+        </p:nvSpPr>
+        <p:spPr/>
+        <p:txBody>
+          <a:bodyPr/>
+          <a:lstStyle/>
+          <a:p>
+            <a:r>
+              <a:rPr lang="en-US" altLang="zh-CN" dirty="0" smtClean="0"/>
+              <a:t>Improvement</a:t>
+            </a:r>
+            <a:endParaRPr lang="zh-CN" altLang="en-US" dirty="0"/>
+          </a:p>
+        </p:txBody>
+      </p:sp>
+    </p:spTree>
+  </p:cSld>
+  <p:clrMapOvr>
+    <a:masterClrMapping/>
+  </p:clrMapOvr>
+</p:sld>
+</file>
+
+<file path=ppt/slides/slide14.xml><?xml version="1.0" encoding="utf-8"?>
+<p:sld xmlns:a="http://schemas.openxmlformats.org/drawingml/2006/main" xmlns:r="http://schemas.openxmlformats.org/officeDocument/2006/relationships" xmlns:p="http://schemas.openxmlformats.org/presentationml/2006/main">
+  <p:cSld>
+    <p:spTree>
+      <p:nvGrpSpPr>
+        <p:cNvPr id="1" name=""/>
+        <p:cNvGrpSpPr/>
+        <p:nvPr/>
+      </p:nvGrpSpPr>
+      <p:grpSpPr>
+        <a:xfrm>
+          <a:off x="0" y="0"/>
+          <a:ext cx="0" cy="0"/>
+          <a:chOff x="0" y="0"/>
+          <a:chExt cx="0" cy="0"/>
+        </a:xfrm>
+      </p:grpSpPr>
+      <p:sp>
+        <p:nvSpPr>
+          <p:cNvPr id="2" name="标题 1"/>
+          <p:cNvSpPr>
+            <a:spLocks noGrp="1"/>
+          </p:cNvSpPr>
+          <p:nvPr>
+            <p:ph type="title"/>
+          </p:nvPr>
+        </p:nvSpPr>
+        <p:spPr/>
+        <p:txBody>
+          <a:bodyPr/>
+          <a:lstStyle/>
+          <a:p>
+            <a:r>
+              <a:rPr lang="en-US" altLang="zh-CN" dirty="0" smtClean="0"/>
+              <a:t>Conclusion</a:t>
+            </a:r>
+            <a:endParaRPr lang="zh-CN" altLang="en-US" dirty="0"/>
+          </a:p>
+        </p:txBody>
+      </p:sp>
+      <p:sp>
+        <p:nvSpPr>
+          <p:cNvPr id="4" name="内容占位符 3"/>
+          <p:cNvSpPr>
+            <a:spLocks noGrp="1"/>
+          </p:cNvSpPr>
+          <p:nvPr>
+            <p:ph sz="quarter" idx="1"/>
+          </p:nvPr>
+        </p:nvSpPr>
+        <p:spPr>
+          <a:xfrm>
+            <a:off x="457200" y="1600200"/>
+            <a:ext cx="7715200" cy="4873752"/>
+          </a:xfrm>
+        </p:spPr>
+        <p:txBody>
+          <a:bodyPr/>
+          <a:lstStyle/>
+          <a:p>
+            <a:r>
+              <a:rPr lang="zh-CN" altLang="en-US" dirty="0" smtClean="0"/>
+              <a:t>使用协同进化算法求解</a:t>
+            </a:r>
+            <a:r>
+              <a:rPr lang="en-US" altLang="zh-CN" dirty="0" smtClean="0"/>
+              <a:t>JSP</a:t>
+            </a:r>
+            <a:r>
+              <a:rPr lang="zh-CN" altLang="en-US" dirty="0" smtClean="0"/>
+              <a:t>问题，在结合启发式算法来确定每台机器的第一道工序，以及选择合适的交叉算子、变异算子等方法的前提下，实验结果显示，其搜索时间和局部最优值都明显好于其他传统的基因算法求解结果，并且可以媲美一些启发式算法的结果。</a:t>
+            </a:r>
+            <a:endParaRPr lang="en-US" altLang="zh-CN" dirty="0" smtClean="0"/>
+          </a:p>
+          <a:p>
+            <a:endParaRPr lang="en-US" altLang="zh-CN" dirty="0" smtClean="0"/>
+          </a:p>
+          <a:p>
+            <a:r>
+              <a:rPr lang="zh-CN" altLang="en-US" smtClean="0"/>
+              <a:t>还需要思考和有待优化的问题是，如何简化、分解复杂的问题，并且高效地选择协同进化的伙伴，是该方法的瓶颈，也是性能突破的关键。</a:t>
+            </a:r>
+            <a:endParaRPr lang="en-US" altLang="zh-CN" dirty="0" smtClean="0"/>
+          </a:p>
+        </p:txBody>
+      </p:sp>
+    </p:spTree>
+  </p:cSld>
+  <p:clrMapOvr>
+    <a:masterClrMapping/>
+  </p:clrMapOvr>
+</p:sld>
+</file>
+
 <file path=ppt/slides/slide2.xml><?xml version="1.0" encoding="utf-8"?>
 <p:sld xmlns:a="http://schemas.openxmlformats.org/drawingml/2006/main" xmlns:r="http://schemas.openxmlformats.org/officeDocument/2006/relationships" xmlns:p="http://schemas.openxmlformats.org/presentationml/2006/main">
   <p:cSld>
@@ -5869,7 +6739,7 @@
       </p:grpSpPr>
       <p:sp>
         <p:nvSpPr>
-          <p:cNvPr id="2" name="标题 1"/>
+          <p:cNvPr id="5" name="标题 4"/>
           <p:cNvSpPr>
             <a:spLocks noGrp="1"/>
           </p:cNvSpPr>
@@ -5883,137 +6753,56 @@
           <a:lstStyle/>
           <a:p>
             <a:r>
-              <a:rPr lang="en-US" altLang="zh-CN" dirty="0" smtClean="0"/>
-              <a:t>Job shop problem </a:t>
-            </a:r>
-            <a:r>
               <a:rPr lang="zh-CN" altLang="en-US" dirty="0" smtClean="0"/>
-              <a:t>（</a:t>
-            </a:r>
-            <a:r>
-              <a:rPr lang="en-US" altLang="zh-CN" dirty="0" smtClean="0"/>
-              <a:t>JSP</a:t>
-            </a:r>
+              <a:t>目录</a:t>
+            </a:r>
+            <a:endParaRPr lang="zh-CN" altLang="en-US" dirty="0"/>
+          </a:p>
+        </p:txBody>
+      </p:sp>
+      <p:sp>
+        <p:nvSpPr>
+          <p:cNvPr id="6" name="内容占位符 5"/>
+          <p:cNvSpPr>
+            <a:spLocks noGrp="1"/>
+          </p:cNvSpPr>
+          <p:nvPr>
+            <p:ph sz="quarter" idx="1"/>
+          </p:nvPr>
+        </p:nvSpPr>
+        <p:spPr/>
+        <p:txBody>
+          <a:bodyPr/>
+          <a:lstStyle/>
+          <a:p>
+            <a:endParaRPr lang="en-US" altLang="zh-CN" dirty="0" smtClean="0"/>
+          </a:p>
+          <a:p>
             <a:r>
               <a:rPr lang="zh-CN" altLang="en-US" dirty="0" smtClean="0"/>
-              <a:t>）</a:t>
+              <a:t>问题定义与模型</a:t>
+            </a:r>
+            <a:endParaRPr lang="en-US" altLang="zh-CN" dirty="0" smtClean="0"/>
+          </a:p>
+          <a:p>
+            <a:endParaRPr lang="en-US" altLang="zh-CN" dirty="0" smtClean="0"/>
+          </a:p>
+          <a:p>
+            <a:r>
+              <a:rPr lang="zh-CN" altLang="en-US" dirty="0" smtClean="0"/>
+              <a:t>编程实现与求解</a:t>
+            </a:r>
+            <a:endParaRPr lang="en-US" altLang="zh-CN" dirty="0" smtClean="0"/>
+          </a:p>
+          <a:p>
+            <a:endParaRPr lang="en-US" altLang="zh-CN" dirty="0" smtClean="0"/>
+          </a:p>
+          <a:p>
+            <a:r>
+              <a:rPr lang="zh-CN" altLang="en-US" dirty="0" smtClean="0"/>
+              <a:t>模型反思与改进</a:t>
             </a:r>
             <a:endParaRPr lang="zh-CN" altLang="en-US" dirty="0"/>
-          </a:p>
-        </p:txBody>
-      </p:sp>
-      <p:sp>
-        <p:nvSpPr>
-          <p:cNvPr id="3" name="内容占位符 2"/>
-          <p:cNvSpPr>
-            <a:spLocks noGrp="1"/>
-          </p:cNvSpPr>
-          <p:nvPr>
-            <p:ph sz="quarter" idx="1"/>
-          </p:nvPr>
-        </p:nvSpPr>
-        <p:spPr/>
-        <p:txBody>
-          <a:bodyPr/>
-          <a:lstStyle/>
-          <a:p>
-            <a:r>
-              <a:rPr lang="zh-CN" altLang="en-US" dirty="0" smtClean="0"/>
-              <a:t>给定</a:t>
-            </a:r>
-            <a:r>
-              <a:rPr lang="en-US" altLang="zh-CN" dirty="0" smtClean="0"/>
-              <a:t>n</a:t>
-            </a:r>
-            <a:r>
-              <a:rPr lang="zh-CN" altLang="en-US" dirty="0" smtClean="0"/>
-              <a:t>个作业和</a:t>
-            </a:r>
-            <a:r>
-              <a:rPr lang="en-US" altLang="zh-CN" dirty="0" smtClean="0"/>
-              <a:t>m</a:t>
-            </a:r>
-            <a:r>
-              <a:rPr lang="zh-CN" altLang="en-US" dirty="0" smtClean="0"/>
-              <a:t>台机器，每项作业由一组有确定进行时间并且要在有限台机器完成的操作（</a:t>
-            </a:r>
-            <a:r>
-              <a:rPr lang="en-US" altLang="zh-CN" dirty="0" smtClean="0"/>
-              <a:t>operations</a:t>
-            </a:r>
-            <a:r>
-              <a:rPr lang="zh-CN" altLang="en-US" dirty="0" smtClean="0"/>
-              <a:t>）组成。目标是在约束条件下，确定每项</a:t>
-            </a:r>
-            <a:r>
-              <a:rPr lang="en-US" altLang="zh-CN" dirty="0" smtClean="0"/>
-              <a:t>operation</a:t>
-            </a:r>
-            <a:r>
-              <a:rPr lang="zh-CN" altLang="en-US" dirty="0" smtClean="0"/>
-              <a:t>的起始时间和结束时间，从而优化指标。</a:t>
-            </a:r>
-            <a:endParaRPr lang="en-US" altLang="zh-CN" dirty="0" smtClean="0"/>
-          </a:p>
-          <a:p>
-            <a:endParaRPr lang="en-US" altLang="zh-CN" dirty="0" smtClean="0"/>
-          </a:p>
-          <a:p>
-            <a:r>
-              <a:rPr lang="zh-CN" altLang="en-US" dirty="0" smtClean="0"/>
-              <a:t>约束：</a:t>
-            </a:r>
-            <a:endParaRPr lang="en-US" altLang="zh-CN" dirty="0" smtClean="0"/>
-          </a:p>
-          <a:p>
-            <a:pPr lvl="1"/>
-            <a:r>
-              <a:rPr lang="zh-CN" altLang="en-US" dirty="0" smtClean="0"/>
-              <a:t>一</a:t>
-            </a:r>
-            <a:r>
-              <a:rPr lang="zh-CN" altLang="en-US" dirty="0" smtClean="0"/>
-              <a:t>项作业不能两次使用同一台机器</a:t>
-            </a:r>
-            <a:endParaRPr lang="en-US" altLang="zh-CN" dirty="0" smtClean="0"/>
-          </a:p>
-          <a:p>
-            <a:pPr lvl="1"/>
-            <a:r>
-              <a:rPr lang="zh-CN" altLang="en-US" dirty="0" smtClean="0"/>
-              <a:t>不同</a:t>
-            </a:r>
-            <a:r>
-              <a:rPr lang="zh-CN" altLang="en-US" dirty="0" smtClean="0"/>
-              <a:t>作业的</a:t>
-            </a:r>
-            <a:r>
-              <a:rPr lang="en-US" altLang="zh-CN" dirty="0" smtClean="0"/>
-              <a:t>operation</a:t>
-            </a:r>
-            <a:r>
-              <a:rPr lang="zh-CN" altLang="en-US" dirty="0" smtClean="0"/>
-              <a:t>之间没有偏向性</a:t>
-            </a:r>
-            <a:endParaRPr lang="en-US" altLang="zh-CN" dirty="0" smtClean="0"/>
-          </a:p>
-          <a:p>
-            <a:pPr lvl="1"/>
-            <a:r>
-              <a:rPr lang="zh-CN" altLang="en-US" dirty="0" smtClean="0"/>
-              <a:t>每</a:t>
-            </a:r>
-            <a:r>
-              <a:rPr lang="zh-CN" altLang="en-US" dirty="0" smtClean="0"/>
-              <a:t>台机器同一时间只能处理一个作业</a:t>
-            </a:r>
-            <a:endParaRPr lang="en-US" altLang="zh-CN" dirty="0" smtClean="0"/>
-          </a:p>
-          <a:p>
-            <a:pPr lvl="1">
-              <a:buNone/>
-            </a:pPr>
-            <a:endParaRPr lang="en-US" altLang="zh-CN" dirty="0" smtClean="0"/>
           </a:p>
         </p:txBody>
       </p:sp>
@@ -6044,7 +6833,7 @@
       </p:grpSpPr>
       <p:sp>
         <p:nvSpPr>
-          <p:cNvPr id="2" name="标题 1"/>
+          <p:cNvPr id="4" name="标题 3"/>
           <p:cNvSpPr>
             <a:spLocks noGrp="1"/>
           </p:cNvSpPr>
@@ -6058,263 +6847,36 @@
           <a:lstStyle/>
           <a:p>
             <a:r>
+              <a:rPr lang="zh-CN" altLang="en-US" dirty="0" smtClean="0"/>
+              <a:t>问题定义与模型</a:t>
+            </a:r>
+            <a:endParaRPr lang="zh-CN" altLang="en-US" dirty="0"/>
+          </a:p>
+        </p:txBody>
+      </p:sp>
+      <p:sp>
+        <p:nvSpPr>
+          <p:cNvPr id="5" name="文本占位符 4"/>
+          <p:cNvSpPr>
+            <a:spLocks noGrp="1"/>
+          </p:cNvSpPr>
+          <p:nvPr>
+            <p:ph type="body" idx="1"/>
+          </p:nvPr>
+        </p:nvSpPr>
+        <p:spPr/>
+        <p:txBody>
+          <a:bodyPr/>
+          <a:lstStyle/>
+          <a:p>
+            <a:r>
               <a:rPr lang="en-US" altLang="zh-CN" dirty="0" smtClean="0"/>
-              <a:t>Job shop problem </a:t>
-            </a:r>
-            <a:r>
-              <a:rPr lang="zh-CN" altLang="en-US" dirty="0" smtClean="0"/>
-              <a:t>（</a:t>
-            </a:r>
-            <a:r>
-              <a:rPr lang="en-US" altLang="zh-CN" dirty="0" smtClean="0"/>
-              <a:t>JSP</a:t>
-            </a:r>
-            <a:r>
-              <a:rPr lang="zh-CN" altLang="en-US" dirty="0" smtClean="0"/>
-              <a:t>）</a:t>
+              <a:t>Problem Definition</a:t>
             </a:r>
             <a:endParaRPr lang="zh-CN" altLang="en-US" dirty="0"/>
           </a:p>
         </p:txBody>
       </p:sp>
-      <p:sp>
-        <p:nvSpPr>
-          <p:cNvPr id="3" name="内容占位符 2"/>
-          <p:cNvSpPr>
-            <a:spLocks noGrp="1"/>
-          </p:cNvSpPr>
-          <p:nvPr>
-            <p:ph sz="quarter" idx="1"/>
-          </p:nvPr>
-        </p:nvSpPr>
-        <p:spPr>
-          <a:xfrm>
-            <a:off x="457200" y="1600200"/>
-            <a:ext cx="2890664" cy="4873752"/>
-          </a:xfrm>
-        </p:spPr>
-        <p:txBody>
-          <a:bodyPr/>
-          <a:lstStyle/>
-          <a:p>
-            <a:r>
-              <a:rPr lang="zh-CN" altLang="en-US" dirty="0" smtClean="0"/>
-              <a:t>数学</a:t>
-            </a:r>
-            <a:r>
-              <a:rPr lang="zh-CN" altLang="en-US" dirty="0" smtClean="0"/>
-              <a:t>定义</a:t>
-            </a:r>
-            <a:endParaRPr lang="en-US" altLang="zh-CN" dirty="0" smtClean="0"/>
-          </a:p>
-          <a:p>
-            <a:r>
-              <a:rPr lang="en-US" altLang="zh-CN" sz="1600" dirty="0" err="1" smtClean="0"/>
-              <a:t>c_ik</a:t>
-            </a:r>
-            <a:r>
-              <a:rPr lang="en-US" altLang="zh-CN" sz="1600" dirty="0" smtClean="0"/>
-              <a:t>: job </a:t>
-            </a:r>
-            <a:r>
-              <a:rPr lang="en-US" altLang="zh-CN" sz="1600" dirty="0" err="1" smtClean="0"/>
-              <a:t>i</a:t>
-            </a:r>
-            <a:r>
-              <a:rPr lang="en-US" altLang="zh-CN" sz="1600" dirty="0" smtClean="0"/>
-              <a:t> </a:t>
-            </a:r>
-            <a:r>
-              <a:rPr lang="zh-CN" altLang="en-US" sz="1600" dirty="0" smtClean="0"/>
-              <a:t>在</a:t>
-            </a:r>
-            <a:r>
-              <a:rPr lang="en-US" altLang="zh-CN" sz="1600" dirty="0" smtClean="0"/>
-              <a:t>machine k</a:t>
-            </a:r>
-            <a:r>
-              <a:rPr lang="zh-CN" altLang="en-US" sz="1600" dirty="0" smtClean="0"/>
-              <a:t>上的完成时间</a:t>
-            </a:r>
-            <a:endParaRPr lang="en-US" altLang="zh-CN" sz="1600" dirty="0" smtClean="0"/>
-          </a:p>
-          <a:p>
-            <a:r>
-              <a:rPr lang="en-US" altLang="zh-CN" sz="1600" dirty="0" err="1" smtClean="0"/>
-              <a:t>p_ik</a:t>
-            </a:r>
-            <a:r>
-              <a:rPr lang="en-US" altLang="zh-CN" sz="1600" dirty="0" smtClean="0"/>
-              <a:t>: job </a:t>
-            </a:r>
-            <a:r>
-              <a:rPr lang="en-US" altLang="zh-CN" sz="1600" dirty="0" err="1" smtClean="0"/>
-              <a:t>i</a:t>
-            </a:r>
-            <a:r>
-              <a:rPr lang="en-US" altLang="zh-CN" sz="1600" dirty="0" smtClean="0"/>
-              <a:t>  </a:t>
-            </a:r>
-            <a:r>
-              <a:rPr lang="zh-CN" altLang="en-US" sz="1600" dirty="0" smtClean="0"/>
-              <a:t>在</a:t>
-            </a:r>
-            <a:r>
-              <a:rPr lang="en-US" altLang="zh-CN" sz="1600" dirty="0" smtClean="0"/>
-              <a:t>machine k</a:t>
-            </a:r>
-            <a:r>
-              <a:rPr lang="zh-CN" altLang="en-US" sz="1600" dirty="0" smtClean="0"/>
-              <a:t>上的作业时间</a:t>
-            </a:r>
-            <a:endParaRPr lang="en-US" altLang="zh-CN" sz="1600" dirty="0" smtClean="0"/>
-          </a:p>
-          <a:p>
-            <a:r>
-              <a:rPr lang="en-US" altLang="zh-CN" sz="1600" dirty="0" smtClean="0"/>
-              <a:t>M: </a:t>
-            </a:r>
-            <a:r>
-              <a:rPr lang="zh-CN" altLang="en-US" sz="1600" dirty="0" smtClean="0"/>
-              <a:t>大正数</a:t>
-            </a:r>
-            <a:endParaRPr lang="en-US" altLang="zh-CN" sz="1600" dirty="0" smtClean="0"/>
-          </a:p>
-          <a:p>
-            <a:r>
-              <a:rPr lang="en-US" altLang="zh-CN" sz="1600" dirty="0" err="1" smtClean="0"/>
-              <a:t>a_ihk</a:t>
-            </a:r>
-            <a:r>
-              <a:rPr lang="en-US" altLang="zh-CN" sz="1600" dirty="0" smtClean="0"/>
-              <a:t>: </a:t>
-            </a:r>
-            <a:r>
-              <a:rPr lang="zh-CN" altLang="en-US" sz="1600" dirty="0" smtClean="0"/>
-              <a:t>指示系数；如果对于作业</a:t>
-            </a:r>
-            <a:r>
-              <a:rPr lang="en-US" altLang="zh-CN" sz="1600" dirty="0" err="1" smtClean="0"/>
-              <a:t>i</a:t>
-            </a:r>
-            <a:r>
-              <a:rPr lang="zh-CN" altLang="en-US" sz="1600" dirty="0" smtClean="0"/>
-              <a:t>，先在</a:t>
-            </a:r>
-            <a:r>
-              <a:rPr lang="en-US" altLang="zh-CN" sz="1600" dirty="0" smtClean="0"/>
-              <a:t>machine h</a:t>
-            </a:r>
-            <a:r>
-              <a:rPr lang="zh-CN" altLang="en-US" sz="1600" dirty="0" smtClean="0"/>
-              <a:t>上作业，后再</a:t>
-            </a:r>
-            <a:r>
-              <a:rPr lang="en-US" altLang="zh-CN" sz="1600" dirty="0" smtClean="0"/>
-              <a:t>k</a:t>
-            </a:r>
-            <a:r>
-              <a:rPr lang="zh-CN" altLang="en-US" sz="1600" dirty="0" smtClean="0"/>
-              <a:t>上作业，则为</a:t>
-            </a:r>
-            <a:r>
-              <a:rPr lang="en-US" altLang="zh-CN" sz="1600" dirty="0" smtClean="0"/>
-              <a:t>1</a:t>
-            </a:r>
-            <a:r>
-              <a:rPr lang="zh-CN" altLang="en-US" sz="1600" dirty="0" smtClean="0"/>
-              <a:t>，否则为</a:t>
-            </a:r>
-            <a:r>
-              <a:rPr lang="en-US" altLang="zh-CN" sz="1600" dirty="0" smtClean="0"/>
-              <a:t>0.</a:t>
-            </a:r>
-          </a:p>
-          <a:p>
-            <a:r>
-              <a:rPr lang="en-US" altLang="zh-CN" sz="1600" dirty="0" err="1" smtClean="0"/>
-              <a:t>x_ijk</a:t>
-            </a:r>
-            <a:r>
-              <a:rPr lang="en-US" altLang="zh-CN" sz="1600" dirty="0" smtClean="0"/>
-              <a:t>: </a:t>
-            </a:r>
-            <a:r>
-              <a:rPr lang="zh-CN" altLang="en-US" sz="1600" dirty="0" smtClean="0"/>
-              <a:t>指示变量；如果在</a:t>
-            </a:r>
-            <a:r>
-              <a:rPr lang="en-US" altLang="zh-CN" sz="1600" dirty="0" smtClean="0"/>
-              <a:t>machine k</a:t>
-            </a:r>
-            <a:r>
-              <a:rPr lang="zh-CN" altLang="en-US" sz="1600" dirty="0" smtClean="0"/>
-              <a:t>上，作业</a:t>
-            </a:r>
-            <a:r>
-              <a:rPr lang="en-US" altLang="zh-CN" sz="1600" dirty="0" err="1" smtClean="0"/>
-              <a:t>i</a:t>
-            </a:r>
-            <a:r>
-              <a:rPr lang="zh-CN" altLang="en-US" sz="1600" dirty="0" smtClean="0"/>
-              <a:t>先于作业</a:t>
-            </a:r>
-            <a:r>
-              <a:rPr lang="en-US" altLang="zh-CN" sz="1600" dirty="0" smtClean="0"/>
-              <a:t>j</a:t>
-            </a:r>
-            <a:r>
-              <a:rPr lang="zh-CN" altLang="en-US" sz="1600" dirty="0" smtClean="0"/>
-              <a:t>，则为</a:t>
-            </a:r>
-            <a:r>
-              <a:rPr lang="en-US" altLang="zh-CN" sz="1600" dirty="0" smtClean="0"/>
-              <a:t>1</a:t>
-            </a:r>
-            <a:r>
-              <a:rPr lang="zh-CN" altLang="en-US" sz="1600" dirty="0" smtClean="0"/>
-              <a:t>，否则为</a:t>
-            </a:r>
-            <a:r>
-              <a:rPr lang="en-US" altLang="zh-CN" sz="1600" dirty="0" smtClean="0"/>
-              <a:t>0.</a:t>
-            </a:r>
-            <a:endParaRPr lang="en-US" altLang="zh-CN" sz="1600" dirty="0" smtClean="0"/>
-          </a:p>
-        </p:txBody>
-      </p:sp>
-      <p:pic>
-        <p:nvPicPr>
-          <p:cNvPr id="1027" name="Picture 3"/>
-          <p:cNvPicPr>
-            <a:picLocks noChangeAspect="1" noChangeArrowheads="1"/>
-          </p:cNvPicPr>
-          <p:nvPr/>
-        </p:nvPicPr>
-        <p:blipFill>
-          <a:blip r:embed="rId3" cstate="print"/>
-          <a:srcRect/>
-          <a:stretch>
-            <a:fillRect/>
-          </a:stretch>
-        </p:blipFill>
-        <p:spPr bwMode="auto">
-          <a:xfrm>
-            <a:off x="3347864" y="2348881"/>
-            <a:ext cx="5220442" cy="2524982"/>
-          </a:xfrm>
-          <a:prstGeom prst="rect">
-            <a:avLst/>
-          </a:prstGeom>
-          <a:noFill/>
-          <a:ln w="9525">
-            <a:noFill/>
-            <a:miter lim="800000"/>
-            <a:headEnd/>
-            <a:tailEnd/>
-          </a:ln>
-        </p:spPr>
-      </p:pic>
     </p:spTree>
   </p:cSld>
   <p:clrMapOvr>
@@ -6357,46 +6919,127 @@
           <a:p>
             <a:r>
               <a:rPr lang="en-US" altLang="zh-CN" dirty="0" smtClean="0"/>
-              <a:t>Algorithm framework</a:t>
+              <a:t>Job shop problem </a:t>
+            </a:r>
+            <a:r>
+              <a:rPr lang="zh-CN" altLang="en-US" dirty="0" smtClean="0"/>
+              <a:t>（</a:t>
+            </a:r>
+            <a:r>
+              <a:rPr lang="en-US" altLang="zh-CN" dirty="0" smtClean="0"/>
+              <a:t>JSP</a:t>
+            </a:r>
+            <a:r>
+              <a:rPr lang="zh-CN" altLang="en-US" dirty="0" smtClean="0"/>
+              <a:t>）</a:t>
             </a:r>
             <a:endParaRPr lang="zh-CN" altLang="en-US" dirty="0"/>
           </a:p>
         </p:txBody>
       </p:sp>
-      <p:pic>
-        <p:nvPicPr>
-          <p:cNvPr id="2050" name="Picture 2"/>
-          <p:cNvPicPr>
-            <a:picLocks noGrp="1" noChangeAspect="1" noChangeArrowheads="1"/>
-          </p:cNvPicPr>
+      <p:sp>
+        <p:nvSpPr>
+          <p:cNvPr id="3" name="内容占位符 2"/>
+          <p:cNvSpPr>
+            <a:spLocks noGrp="1"/>
+          </p:cNvSpPr>
           <p:nvPr>
             <p:ph sz="quarter" idx="1"/>
           </p:nvPr>
-        </p:nvPicPr>
-        <p:blipFill>
-          <a:blip r:embed="rId3" cstate="print"/>
-          <a:srcRect/>
-          <a:stretch>
-            <a:fillRect/>
-          </a:stretch>
-        </p:blipFill>
-        <p:spPr bwMode="auto">
-          <a:xfrm>
-            <a:off x="755576" y="1700808"/>
-            <a:ext cx="7371429" cy="4361905"/>
-          </a:xfrm>
-          <a:prstGeom prst="rect">
-            <a:avLst/>
-          </a:prstGeom>
-          <a:noFill/>
-          <a:ln w="9525">
-            <a:noFill/>
-            <a:miter lim="800000"/>
-            <a:headEnd/>
-            <a:tailEnd/>
-          </a:ln>
-        </p:spPr>
-      </p:pic>
+        </p:nvSpPr>
+        <p:spPr/>
+        <p:txBody>
+          <a:bodyPr/>
+          <a:lstStyle/>
+          <a:p>
+            <a:r>
+              <a:rPr lang="zh-CN" altLang="en-US" dirty="0" smtClean="0"/>
+              <a:t>给定</a:t>
+            </a:r>
+            <a:r>
+              <a:rPr lang="en-US" altLang="zh-CN" dirty="0" smtClean="0"/>
+              <a:t>n</a:t>
+            </a:r>
+            <a:r>
+              <a:rPr lang="zh-CN" altLang="en-US" dirty="0" smtClean="0"/>
+              <a:t>个作业和</a:t>
+            </a:r>
+            <a:r>
+              <a:rPr lang="en-US" altLang="zh-CN" dirty="0" smtClean="0"/>
+              <a:t>m</a:t>
+            </a:r>
+            <a:r>
+              <a:rPr lang="zh-CN" altLang="en-US" dirty="0" smtClean="0"/>
+              <a:t>台机器，每项作业由一组有确定进行时间并且要在有限台机器完成的操作（</a:t>
+            </a:r>
+            <a:r>
+              <a:rPr lang="en-US" altLang="zh-CN" dirty="0" smtClean="0"/>
+              <a:t>operations</a:t>
+            </a:r>
+            <a:r>
+              <a:rPr lang="zh-CN" altLang="en-US" dirty="0" smtClean="0"/>
+              <a:t>）组成。目标是在约束条件下，确定每项</a:t>
+            </a:r>
+            <a:r>
+              <a:rPr lang="en-US" altLang="zh-CN" dirty="0" smtClean="0"/>
+              <a:t>operation</a:t>
+            </a:r>
+            <a:r>
+              <a:rPr lang="zh-CN" altLang="en-US" dirty="0" smtClean="0"/>
+              <a:t>的起始时间和结束时间，从而优化指标。</a:t>
+            </a:r>
+            <a:endParaRPr lang="en-US" altLang="zh-CN" dirty="0" smtClean="0"/>
+          </a:p>
+          <a:p>
+            <a:endParaRPr lang="en-US" altLang="zh-CN" dirty="0" smtClean="0"/>
+          </a:p>
+          <a:p>
+            <a:r>
+              <a:rPr lang="zh-CN" altLang="en-US" dirty="0" smtClean="0"/>
+              <a:t>约束：</a:t>
+            </a:r>
+            <a:endParaRPr lang="en-US" altLang="zh-CN" dirty="0" smtClean="0"/>
+          </a:p>
+          <a:p>
+            <a:pPr lvl="1"/>
+            <a:r>
+              <a:rPr lang="zh-CN" altLang="en-US" dirty="0" smtClean="0"/>
+              <a:t>一项作业不能两次使用同一台机器</a:t>
+            </a:r>
+            <a:endParaRPr lang="en-US" altLang="zh-CN" dirty="0" smtClean="0"/>
+          </a:p>
+          <a:p>
+            <a:pPr lvl="1"/>
+            <a:r>
+              <a:rPr lang="zh-CN" altLang="en-US" dirty="0" smtClean="0"/>
+              <a:t>不同作业的</a:t>
+            </a:r>
+            <a:r>
+              <a:rPr lang="en-US" altLang="zh-CN" dirty="0" smtClean="0"/>
+              <a:t>operation</a:t>
+            </a:r>
+            <a:r>
+              <a:rPr lang="zh-CN" altLang="en-US" dirty="0" smtClean="0"/>
+              <a:t>之间没有偏向性</a:t>
+            </a:r>
+            <a:endParaRPr lang="en-US" altLang="zh-CN" dirty="0" smtClean="0"/>
+          </a:p>
+          <a:p>
+            <a:pPr lvl="1"/>
+            <a:r>
+              <a:rPr lang="zh-CN" altLang="en-US" dirty="0" smtClean="0"/>
+              <a:t>每台机器同一时间只能处理一个作业</a:t>
+            </a:r>
+            <a:endParaRPr lang="en-US" altLang="zh-CN" dirty="0" smtClean="0"/>
+          </a:p>
+          <a:p>
+            <a:pPr lvl="1">
+              <a:buNone/>
+            </a:pPr>
+            <a:endParaRPr lang="en-US" altLang="zh-CN" dirty="0" smtClean="0"/>
+          </a:p>
+        </p:txBody>
+      </p:sp>
     </p:spTree>
   </p:cSld>
   <p:clrMapOvr>
@@ -6439,134 +7082,7 @@
           <a:p>
             <a:r>
               <a:rPr lang="en-US" altLang="zh-CN" dirty="0" smtClean="0"/>
-              <a:t>Algorithm framework</a:t>
-            </a:r>
-            <a:endParaRPr lang="zh-CN" altLang="en-US" dirty="0"/>
-          </a:p>
-        </p:txBody>
-      </p:sp>
-      <p:sp>
-        <p:nvSpPr>
-          <p:cNvPr id="4" name="内容占位符 3"/>
-          <p:cNvSpPr>
-            <a:spLocks noGrp="1"/>
-          </p:cNvSpPr>
-          <p:nvPr>
-            <p:ph sz="quarter" idx="1"/>
-          </p:nvPr>
-        </p:nvSpPr>
-        <p:spPr>
-          <a:xfrm>
-            <a:off x="457200" y="1600200"/>
-            <a:ext cx="7715200" cy="4873752"/>
-          </a:xfrm>
-        </p:spPr>
-        <p:txBody>
-          <a:bodyPr/>
-          <a:lstStyle/>
-          <a:p>
-            <a:r>
-              <a:rPr lang="en-US" altLang="zh-CN" dirty="0" smtClean="0"/>
-              <a:t>Step 1</a:t>
-            </a:r>
-            <a:r>
-              <a:rPr lang="zh-CN" altLang="en-US" dirty="0" smtClean="0"/>
-              <a:t>：生成</a:t>
-            </a:r>
-            <a:r>
-              <a:rPr lang="en-US" altLang="zh-CN" dirty="0" smtClean="0"/>
-              <a:t>M</a:t>
-            </a:r>
-            <a:r>
-              <a:rPr lang="zh-CN" altLang="en-US" dirty="0" smtClean="0"/>
-              <a:t>组初始子种群 </a:t>
-            </a:r>
-            <a:r>
-              <a:rPr lang="en-US" altLang="zh-CN" dirty="0" smtClean="0"/>
-              <a:t>Pop[m] (m=1,2,…,M)</a:t>
-            </a:r>
-          </a:p>
-          <a:p>
-            <a:r>
-              <a:rPr lang="en-US" altLang="zh-CN" dirty="0" smtClean="0"/>
-              <a:t>Step 2</a:t>
-            </a:r>
-            <a:r>
-              <a:rPr lang="zh-CN" altLang="en-US" dirty="0" smtClean="0"/>
-              <a:t>：</a:t>
-            </a:r>
-            <a:r>
-              <a:rPr lang="zh-CN" altLang="en-US" dirty="0" smtClean="0"/>
-              <a:t>初始</a:t>
-            </a:r>
-            <a:r>
-              <a:rPr lang="zh-CN" altLang="en-US" dirty="0" smtClean="0"/>
-              <a:t>评估每个子种群中每个个体，把最佳适应度复制给</a:t>
-            </a:r>
-            <a:r>
-              <a:rPr lang="en-US" altLang="zh-CN" dirty="0" err="1" smtClean="0"/>
-              <a:t>f_best</a:t>
-            </a:r>
-            <a:r>
-              <a:rPr lang="zh-CN" altLang="en-US" dirty="0" smtClean="0"/>
-              <a:t>。选择随机个体和保持不变的个体作为合作伙伴。</a:t>
-            </a:r>
-            <a:endParaRPr lang="en-US" altLang="zh-CN" dirty="0" smtClean="0"/>
-          </a:p>
-          <a:p>
-            <a:r>
-              <a:rPr lang="en-US" altLang="zh-CN" dirty="0" smtClean="0"/>
-              <a:t>Step 3</a:t>
-            </a:r>
-            <a:r>
-              <a:rPr lang="zh-CN" altLang="en-US" dirty="0" smtClean="0"/>
-              <a:t>：使用更新技术，用对应机器上的最终</a:t>
-            </a:r>
-            <a:r>
-              <a:rPr lang="en-US" altLang="zh-CN" dirty="0" smtClean="0"/>
-              <a:t>operation </a:t>
-            </a:r>
-            <a:r>
-              <a:rPr lang="zh-CN" altLang="en-US" dirty="0" smtClean="0"/>
-              <a:t>序列替换个体。</a:t>
-            </a:r>
-            <a:endParaRPr lang="en-US" altLang="zh-CN" dirty="0" smtClean="0"/>
-          </a:p>
-          <a:p>
-            <a:r>
-              <a:rPr lang="en-US" altLang="zh-CN" dirty="0" smtClean="0"/>
-              <a:t>Step 4</a:t>
-            </a:r>
-            <a:r>
-              <a:rPr lang="zh-CN" altLang="en-US" dirty="0" smtClean="0"/>
-              <a:t>：协同进化， </a:t>
-            </a:r>
-            <a:r>
-              <a:rPr lang="en-US" altLang="zh-CN" dirty="0" smtClean="0"/>
-              <a:t>m=1</a:t>
-            </a:r>
-          </a:p>
-          <a:p>
-            <a:pPr lvl="1"/>
-            <a:r>
-              <a:rPr lang="en-US" altLang="zh-CN" dirty="0" smtClean="0"/>
-              <a:t>Step 4.1</a:t>
-            </a:r>
-            <a:r>
-              <a:rPr lang="zh-CN" altLang="en-US" dirty="0" smtClean="0"/>
-              <a:t>：评估</a:t>
-            </a:r>
-            <a:r>
-              <a:rPr lang="en-US" altLang="zh-CN" dirty="0" smtClean="0"/>
-              <a:t>Pop[m]</a:t>
-            </a:r>
-            <a:r>
-              <a:rPr lang="zh-CN" altLang="en-US" dirty="0" smtClean="0"/>
-              <a:t>中的第</a:t>
-            </a:r>
-            <a:r>
-              <a:rPr lang="en-US" altLang="zh-CN" dirty="0" smtClean="0"/>
-              <a:t>s</a:t>
+              <a:t>Job shop problem </a:t>
             </a:r>
             <a:r>
               <a:rPr lang="zh-CN" altLang="en-US" dirty="0" smtClean="0"/>
@@ -6574,51 +7090,249 @@
             </a:r>
             <a:r>
               <a:rPr lang="en-US" altLang="zh-CN" dirty="0" smtClean="0"/>
-              <a:t>s=1,2,…,S</a:t>
+              <a:t>JSP</a:t>
             </a:r>
             <a:r>
               <a:rPr lang="zh-CN" altLang="en-US" dirty="0" smtClean="0"/>
-              <a:t>）个个体，</a:t>
-            </a:r>
-            <a:r>
-              <a:rPr lang="en-US" altLang="zh-CN" dirty="0" smtClean="0"/>
-              <a:t>s=1</a:t>
-            </a:r>
-          </a:p>
-          <a:p>
-            <a:pPr lvl="1"/>
-            <a:r>
-              <a:rPr lang="en-US" altLang="zh-CN" dirty="0" smtClean="0"/>
-              <a:t>Step 4.2</a:t>
-            </a:r>
+              <a:t>）</a:t>
+            </a:r>
+            <a:endParaRPr lang="zh-CN" altLang="en-US" dirty="0"/>
+          </a:p>
+        </p:txBody>
+      </p:sp>
+      <p:sp>
+        <p:nvSpPr>
+          <p:cNvPr id="3" name="内容占位符 2"/>
+          <p:cNvSpPr>
+            <a:spLocks noGrp="1"/>
+          </p:cNvSpPr>
+          <p:nvPr>
+            <p:ph sz="quarter" idx="1"/>
+          </p:nvPr>
+        </p:nvSpPr>
+        <p:spPr>
+          <a:xfrm>
+            <a:off x="457200" y="1600200"/>
+            <a:ext cx="2890664" cy="4873752"/>
+          </a:xfrm>
+        </p:spPr>
+        <p:txBody>
+          <a:bodyPr/>
+          <a:lstStyle/>
+          <a:p>
             <a:r>
               <a:rPr lang="zh-CN" altLang="en-US" dirty="0" smtClean="0"/>
-              <a:t>：基于适应度选择其他父代，应用</a:t>
-            </a:r>
-            <a:r>
-              <a:rPr lang="en-US" altLang="zh-CN" dirty="0" smtClean="0"/>
-              <a:t>LOX</a:t>
-            </a:r>
-            <a:r>
-              <a:rPr lang="zh-CN" altLang="en-US" dirty="0" smtClean="0"/>
-              <a:t>算子生成子代</a:t>
+              <a:t>数学定义</a:t>
             </a:r>
             <a:endParaRPr lang="en-US" altLang="zh-CN" dirty="0" smtClean="0"/>
           </a:p>
           <a:p>
-            <a:pPr lvl="1"/>
-            <a:r>
-              <a:rPr lang="en-US" altLang="zh-CN" dirty="0" smtClean="0"/>
-              <a:t>Step 4.3</a:t>
-            </a:r>
-            <a:r>
-              <a:rPr lang="zh-CN" altLang="en-US" dirty="0" smtClean="0"/>
-              <a:t>：应用交叉变异生成子代</a:t>
-            </a:r>
-            <a:endParaRPr lang="zh-CN" altLang="en-US" dirty="0"/>
-          </a:p>
-        </p:txBody>
-      </p:sp>
+            <a:r>
+              <a:rPr lang="en-US" altLang="zh-CN" sz="1600" dirty="0" err="1" smtClean="0"/>
+              <a:t>c_ik</a:t>
+            </a:r>
+            <a:r>
+              <a:rPr lang="en-US" altLang="zh-CN" sz="1600" dirty="0" smtClean="0"/>
+              <a:t>: job </a:t>
+            </a:r>
+            <a:r>
+              <a:rPr lang="en-US" altLang="zh-CN" sz="1600" dirty="0" err="1" smtClean="0"/>
+              <a:t>i</a:t>
+            </a:r>
+            <a:r>
+              <a:rPr lang="en-US" altLang="zh-CN" sz="1600" dirty="0" smtClean="0"/>
+              <a:t> </a:t>
+            </a:r>
+            <a:r>
+              <a:rPr lang="zh-CN" altLang="en-US" sz="1600" dirty="0" smtClean="0"/>
+              <a:t>在</a:t>
+            </a:r>
+            <a:r>
+              <a:rPr lang="en-US" altLang="zh-CN" sz="1600" dirty="0" smtClean="0"/>
+              <a:t>machine k</a:t>
+            </a:r>
+            <a:r>
+              <a:rPr lang="zh-CN" altLang="en-US" sz="1600" dirty="0" smtClean="0"/>
+              <a:t>上的完成时间</a:t>
+            </a:r>
+            <a:endParaRPr lang="en-US" altLang="zh-CN" sz="1600" dirty="0" smtClean="0"/>
+          </a:p>
+          <a:p>
+            <a:r>
+              <a:rPr lang="en-US" altLang="zh-CN" sz="1600" dirty="0" err="1" smtClean="0"/>
+              <a:t>p_ik</a:t>
+            </a:r>
+            <a:r>
+              <a:rPr lang="en-US" altLang="zh-CN" sz="1600" dirty="0" smtClean="0"/>
+              <a:t>: job </a:t>
+            </a:r>
+            <a:r>
+              <a:rPr lang="en-US" altLang="zh-CN" sz="1600" dirty="0" err="1" smtClean="0"/>
+              <a:t>i</a:t>
+            </a:r>
+            <a:r>
+              <a:rPr lang="en-US" altLang="zh-CN" sz="1600" dirty="0" smtClean="0"/>
+              <a:t>  </a:t>
+            </a:r>
+            <a:r>
+              <a:rPr lang="zh-CN" altLang="en-US" sz="1600" dirty="0" smtClean="0"/>
+              <a:t>在</a:t>
+            </a:r>
+            <a:r>
+              <a:rPr lang="en-US" altLang="zh-CN" sz="1600" dirty="0" smtClean="0"/>
+              <a:t>machine k</a:t>
+            </a:r>
+            <a:r>
+              <a:rPr lang="zh-CN" altLang="en-US" sz="1600" dirty="0" smtClean="0"/>
+              <a:t>上的作业时间</a:t>
+            </a:r>
+            <a:endParaRPr lang="en-US" altLang="zh-CN" sz="1600" dirty="0" smtClean="0"/>
+          </a:p>
+          <a:p>
+            <a:r>
+              <a:rPr lang="en-US" altLang="zh-CN" sz="1600" dirty="0" smtClean="0"/>
+              <a:t>M: </a:t>
+            </a:r>
+            <a:r>
+              <a:rPr lang="zh-CN" altLang="en-US" sz="1600" dirty="0" smtClean="0"/>
+              <a:t>大正数</a:t>
+            </a:r>
+            <a:endParaRPr lang="en-US" altLang="zh-CN" sz="1600" dirty="0" smtClean="0"/>
+          </a:p>
+          <a:p>
+            <a:r>
+              <a:rPr lang="en-US" altLang="zh-CN" sz="1600" dirty="0" err="1" smtClean="0"/>
+              <a:t>a_ihk</a:t>
+            </a:r>
+            <a:r>
+              <a:rPr lang="en-US" altLang="zh-CN" sz="1600" dirty="0" smtClean="0"/>
+              <a:t>: </a:t>
+            </a:r>
+            <a:r>
+              <a:rPr lang="zh-CN" altLang="en-US" sz="1600" dirty="0" smtClean="0"/>
+              <a:t>指示系数；如果对于作业</a:t>
+            </a:r>
+            <a:r>
+              <a:rPr lang="en-US" altLang="zh-CN" sz="1600" dirty="0" err="1" smtClean="0"/>
+              <a:t>i</a:t>
+            </a:r>
+            <a:r>
+              <a:rPr lang="zh-CN" altLang="en-US" sz="1600" dirty="0" smtClean="0"/>
+              <a:t>，先在</a:t>
+            </a:r>
+            <a:r>
+              <a:rPr lang="en-US" altLang="zh-CN" sz="1600" dirty="0" smtClean="0"/>
+              <a:t>machine h</a:t>
+            </a:r>
+            <a:r>
+              <a:rPr lang="zh-CN" altLang="en-US" sz="1600" dirty="0" smtClean="0"/>
+              <a:t>上作业，后再</a:t>
+            </a:r>
+            <a:r>
+              <a:rPr lang="en-US" altLang="zh-CN" sz="1600" dirty="0" smtClean="0"/>
+              <a:t>k</a:t>
+            </a:r>
+            <a:r>
+              <a:rPr lang="zh-CN" altLang="en-US" sz="1600" dirty="0" smtClean="0"/>
+              <a:t>上作业，则为</a:t>
+            </a:r>
+            <a:r>
+              <a:rPr lang="en-US" altLang="zh-CN" sz="1600" dirty="0" smtClean="0"/>
+              <a:t>1</a:t>
+            </a:r>
+            <a:r>
+              <a:rPr lang="zh-CN" altLang="en-US" sz="1600" dirty="0" smtClean="0"/>
+              <a:t>，否则为</a:t>
+            </a:r>
+            <a:r>
+              <a:rPr lang="en-US" altLang="zh-CN" sz="1600" dirty="0" smtClean="0"/>
+              <a:t>0.</a:t>
+            </a:r>
+          </a:p>
+          <a:p>
+            <a:r>
+              <a:rPr lang="en-US" altLang="zh-CN" sz="1600" dirty="0" err="1" smtClean="0"/>
+              <a:t>x_ijk</a:t>
+            </a:r>
+            <a:r>
+              <a:rPr lang="en-US" altLang="zh-CN" sz="1600" dirty="0" smtClean="0"/>
+              <a:t>: </a:t>
+            </a:r>
+            <a:r>
+              <a:rPr lang="zh-CN" altLang="en-US" sz="1600" dirty="0" smtClean="0"/>
+              <a:t>指示变量；如果在</a:t>
+            </a:r>
+            <a:r>
+              <a:rPr lang="en-US" altLang="zh-CN" sz="1600" dirty="0" smtClean="0"/>
+              <a:t>machine k</a:t>
+            </a:r>
+            <a:r>
+              <a:rPr lang="zh-CN" altLang="en-US" sz="1600" dirty="0" smtClean="0"/>
+              <a:t>上，作业</a:t>
+            </a:r>
+            <a:r>
+              <a:rPr lang="en-US" altLang="zh-CN" sz="1600" dirty="0" err="1" smtClean="0"/>
+              <a:t>i</a:t>
+            </a:r>
+            <a:r>
+              <a:rPr lang="zh-CN" altLang="en-US" sz="1600" dirty="0" smtClean="0"/>
+              <a:t>先于作业</a:t>
+            </a:r>
+            <a:r>
+              <a:rPr lang="en-US" altLang="zh-CN" sz="1600" dirty="0" smtClean="0"/>
+              <a:t>j</a:t>
+            </a:r>
+            <a:r>
+              <a:rPr lang="zh-CN" altLang="en-US" sz="1600" dirty="0" smtClean="0"/>
+              <a:t>，则为</a:t>
+            </a:r>
+            <a:r>
+              <a:rPr lang="en-US" altLang="zh-CN" sz="1600" dirty="0" smtClean="0"/>
+              <a:t>1</a:t>
+            </a:r>
+            <a:r>
+              <a:rPr lang="zh-CN" altLang="en-US" sz="1600" dirty="0" smtClean="0"/>
+              <a:t>，否则为</a:t>
+            </a:r>
+            <a:r>
+              <a:rPr lang="en-US" altLang="zh-CN" sz="1600" dirty="0" smtClean="0"/>
+              <a:t>0.</a:t>
+            </a:r>
+          </a:p>
+        </p:txBody>
+      </p:sp>
+      <p:pic>
+        <p:nvPicPr>
+          <p:cNvPr id="1027" name="Picture 3"/>
+          <p:cNvPicPr>
+            <a:picLocks noChangeAspect="1" noChangeArrowheads="1"/>
+          </p:cNvPicPr>
+          <p:nvPr/>
+        </p:nvPicPr>
+        <p:blipFill>
+          <a:blip r:embed="rId3" cstate="print"/>
+          <a:srcRect/>
+          <a:stretch>
+            <a:fillRect/>
+          </a:stretch>
+        </p:blipFill>
+        <p:spPr bwMode="auto">
+          <a:xfrm>
+            <a:off x="3347864" y="2348881"/>
+            <a:ext cx="5220442" cy="2524982"/>
+          </a:xfrm>
+          <a:prstGeom prst="rect">
+            <a:avLst/>
+          </a:prstGeom>
+          <a:noFill/>
+          <a:ln w="9525">
+            <a:noFill/>
+            <a:miter lim="800000"/>
+            <a:headEnd/>
+            <a:tailEnd/>
+          </a:ln>
+        </p:spPr>
+      </p:pic>
     </p:spTree>
   </p:cSld>
   <p:clrMapOvr>
@@ -6667,6 +7381,88 @@
           </a:p>
         </p:txBody>
       </p:sp>
+      <p:pic>
+        <p:nvPicPr>
+          <p:cNvPr id="2050" name="Picture 2"/>
+          <p:cNvPicPr>
+            <a:picLocks noGrp="1" noChangeAspect="1" noChangeArrowheads="1"/>
+          </p:cNvPicPr>
+          <p:nvPr>
+            <p:ph sz="quarter" idx="1"/>
+          </p:nvPr>
+        </p:nvPicPr>
+        <p:blipFill>
+          <a:blip r:embed="rId3" cstate="print"/>
+          <a:srcRect/>
+          <a:stretch>
+            <a:fillRect/>
+          </a:stretch>
+        </p:blipFill>
+        <p:spPr bwMode="auto">
+          <a:xfrm>
+            <a:off x="755576" y="1700808"/>
+            <a:ext cx="7371429" cy="4361905"/>
+          </a:xfrm>
+          <a:prstGeom prst="rect">
+            <a:avLst/>
+          </a:prstGeom>
+          <a:noFill/>
+          <a:ln w="9525">
+            <a:noFill/>
+            <a:miter lim="800000"/>
+            <a:headEnd/>
+            <a:tailEnd/>
+          </a:ln>
+        </p:spPr>
+      </p:pic>
+    </p:spTree>
+  </p:cSld>
+  <p:clrMapOvr>
+    <a:masterClrMapping/>
+  </p:clrMapOvr>
+</p:sld>
+</file>
+
+<file path=ppt/slides/slide7.xml><?xml version="1.0" encoding="utf-8"?>
+<p:sld xmlns:a="http://schemas.openxmlformats.org/drawingml/2006/main" xmlns:r="http://schemas.openxmlformats.org/officeDocument/2006/relationships" xmlns:p="http://schemas.openxmlformats.org/presentationml/2006/main">
+  <p:cSld>
+    <p:spTree>
+      <p:nvGrpSpPr>
+        <p:cNvPr id="1" name=""/>
+        <p:cNvGrpSpPr/>
+        <p:nvPr/>
+      </p:nvGrpSpPr>
+      <p:grpSpPr>
+        <a:xfrm>
+          <a:off x="0" y="0"/>
+          <a:ext cx="0" cy="0"/>
+          <a:chOff x="0" y="0"/>
+          <a:chExt cx="0" cy="0"/>
+        </a:xfrm>
+      </p:grpSpPr>
+      <p:sp>
+        <p:nvSpPr>
+          <p:cNvPr id="2" name="标题 1"/>
+          <p:cNvSpPr>
+            <a:spLocks noGrp="1"/>
+          </p:cNvSpPr>
+          <p:nvPr>
+            <p:ph type="title"/>
+          </p:nvPr>
+        </p:nvSpPr>
+        <p:spPr/>
+        <p:txBody>
+          <a:bodyPr/>
+          <a:lstStyle/>
+          <a:p>
+            <a:r>
+              <a:rPr lang="en-US" altLang="zh-CN" dirty="0" smtClean="0"/>
+              <a:t>Algorithm framework</a:t>
+            </a:r>
+            <a:endParaRPr lang="zh-CN" altLang="en-US" dirty="0"/>
+          </a:p>
+        </p:txBody>
+      </p:sp>
       <p:sp>
         <p:nvSpPr>
           <p:cNvPr id="4" name="内容占位符 3"/>
@@ -6689,6 +7485,220 @@
           <a:p>
             <a:r>
               <a:rPr lang="en-US" altLang="zh-CN" dirty="0" smtClean="0"/>
+              <a:t>Step 1</a:t>
+            </a:r>
+            <a:r>
+              <a:rPr lang="zh-CN" altLang="en-US" dirty="0" smtClean="0"/>
+              <a:t>：生成</a:t>
+            </a:r>
+            <a:r>
+              <a:rPr lang="en-US" altLang="zh-CN" dirty="0" smtClean="0"/>
+              <a:t>M</a:t>
+            </a:r>
+            <a:r>
+              <a:rPr lang="zh-CN" altLang="en-US" dirty="0" smtClean="0"/>
+              <a:t>组初始子种群 </a:t>
+            </a:r>
+            <a:r>
+              <a:rPr lang="en-US" altLang="zh-CN" dirty="0" smtClean="0"/>
+              <a:t>Pop[m] (m=1,2,…,M)</a:t>
+            </a:r>
+          </a:p>
+          <a:p>
+            <a:r>
+              <a:rPr lang="en-US" altLang="zh-CN" dirty="0" smtClean="0"/>
+              <a:t>Step 2</a:t>
+            </a:r>
+            <a:r>
+              <a:rPr lang="zh-CN" altLang="en-US" dirty="0" smtClean="0"/>
+              <a:t>：初始评估每个子种群中每个个体，把最佳适应度复制给</a:t>
+            </a:r>
+            <a:r>
+              <a:rPr lang="en-US" altLang="zh-CN" dirty="0" err="1" smtClean="0"/>
+              <a:t>f_best</a:t>
+            </a:r>
+            <a:r>
+              <a:rPr lang="zh-CN" altLang="en-US" dirty="0" smtClean="0"/>
+              <a:t>。选择随机个体和保持不变的个体作为合作伙伴。</a:t>
+            </a:r>
+            <a:endParaRPr lang="en-US" altLang="zh-CN" dirty="0" smtClean="0"/>
+          </a:p>
+          <a:p>
+            <a:r>
+              <a:rPr lang="en-US" altLang="zh-CN" dirty="0" smtClean="0"/>
+              <a:t>Step 3</a:t>
+            </a:r>
+            <a:r>
+              <a:rPr lang="zh-CN" altLang="en-US" dirty="0" smtClean="0"/>
+              <a:t>：使用更新技术，用对应机器上的最终</a:t>
+            </a:r>
+            <a:r>
+              <a:rPr lang="en-US" altLang="zh-CN" dirty="0" smtClean="0"/>
+              <a:t>operation </a:t>
+            </a:r>
+            <a:r>
+              <a:rPr lang="zh-CN" altLang="en-US" dirty="0" smtClean="0"/>
+              <a:t>序列替换个体。</a:t>
+            </a:r>
+            <a:endParaRPr lang="en-US" altLang="zh-CN" dirty="0" smtClean="0"/>
+          </a:p>
+          <a:p>
+            <a:r>
+              <a:rPr lang="en-US" altLang="zh-CN" dirty="0" smtClean="0"/>
+              <a:t>Step 4</a:t>
+            </a:r>
+            <a:r>
+              <a:rPr lang="zh-CN" altLang="en-US" dirty="0" smtClean="0"/>
+              <a:t>：协同进化， </a:t>
+            </a:r>
+            <a:r>
+              <a:rPr lang="en-US" altLang="zh-CN" dirty="0" smtClean="0"/>
+              <a:t>m=1</a:t>
+            </a:r>
+          </a:p>
+          <a:p>
+            <a:pPr lvl="1"/>
+            <a:r>
+              <a:rPr lang="en-US" altLang="zh-CN" dirty="0" smtClean="0"/>
+              <a:t>Step 4.1</a:t>
+            </a:r>
+            <a:r>
+              <a:rPr lang="zh-CN" altLang="en-US" dirty="0" smtClean="0"/>
+              <a:t>：评估</a:t>
+            </a:r>
+            <a:r>
+              <a:rPr lang="en-US" altLang="zh-CN" dirty="0" smtClean="0"/>
+              <a:t>Pop[m]</a:t>
+            </a:r>
+            <a:r>
+              <a:rPr lang="zh-CN" altLang="en-US" dirty="0" smtClean="0"/>
+              <a:t>中的第</a:t>
+            </a:r>
+            <a:r>
+              <a:rPr lang="en-US" altLang="zh-CN" dirty="0" smtClean="0"/>
+              <a:t>s</a:t>
+            </a:r>
+            <a:r>
+              <a:rPr lang="zh-CN" altLang="en-US" dirty="0" smtClean="0"/>
+              <a:t>（</a:t>
+            </a:r>
+            <a:r>
+              <a:rPr lang="en-US" altLang="zh-CN" dirty="0" smtClean="0"/>
+              <a:t>s=1,2,…,S</a:t>
+            </a:r>
+            <a:r>
+              <a:rPr lang="zh-CN" altLang="en-US" dirty="0" smtClean="0"/>
+              <a:t>）个个体，</a:t>
+            </a:r>
+            <a:r>
+              <a:rPr lang="en-US" altLang="zh-CN" dirty="0" smtClean="0"/>
+              <a:t>s=1</a:t>
+            </a:r>
+          </a:p>
+          <a:p>
+            <a:pPr lvl="1"/>
+            <a:r>
+              <a:rPr lang="en-US" altLang="zh-CN" dirty="0" smtClean="0"/>
+              <a:t>Step 4.2</a:t>
+            </a:r>
+            <a:r>
+              <a:rPr lang="zh-CN" altLang="en-US" dirty="0" smtClean="0"/>
+              <a:t>：基于适应度选择其他父代，应用</a:t>
+            </a:r>
+            <a:r>
+              <a:rPr lang="en-US" altLang="zh-CN" dirty="0" smtClean="0"/>
+              <a:t>LOX</a:t>
+            </a:r>
+            <a:r>
+              <a:rPr lang="zh-CN" altLang="en-US" dirty="0" smtClean="0"/>
+              <a:t>算子生成子代</a:t>
+            </a:r>
+            <a:endParaRPr lang="en-US" altLang="zh-CN" dirty="0" smtClean="0"/>
+          </a:p>
+          <a:p>
+            <a:pPr lvl="1"/>
+            <a:r>
+              <a:rPr lang="en-US" altLang="zh-CN" dirty="0" smtClean="0"/>
+              <a:t>Step 4.3</a:t>
+            </a:r>
+            <a:r>
+              <a:rPr lang="zh-CN" altLang="en-US" dirty="0" smtClean="0"/>
+              <a:t>：应用交叉变异生成子代</a:t>
+            </a:r>
+            <a:endParaRPr lang="zh-CN" altLang="en-US" dirty="0"/>
+          </a:p>
+        </p:txBody>
+      </p:sp>
+    </p:spTree>
+  </p:cSld>
+  <p:clrMapOvr>
+    <a:masterClrMapping/>
+  </p:clrMapOvr>
+</p:sld>
+</file>
+
+<file path=ppt/slides/slide8.xml><?xml version="1.0" encoding="utf-8"?>
+<p:sld xmlns:a="http://schemas.openxmlformats.org/drawingml/2006/main" xmlns:r="http://schemas.openxmlformats.org/officeDocument/2006/relationships" xmlns:p="http://schemas.openxmlformats.org/presentationml/2006/main">
+  <p:cSld>
+    <p:spTree>
+      <p:nvGrpSpPr>
+        <p:cNvPr id="1" name=""/>
+        <p:cNvGrpSpPr/>
+        <p:nvPr/>
+      </p:nvGrpSpPr>
+      <p:grpSpPr>
+        <a:xfrm>
+          <a:off x="0" y="0"/>
+          <a:ext cx="0" cy="0"/>
+          <a:chOff x="0" y="0"/>
+          <a:chExt cx="0" cy="0"/>
+        </a:xfrm>
+      </p:grpSpPr>
+      <p:sp>
+        <p:nvSpPr>
+          <p:cNvPr id="2" name="标题 1"/>
+          <p:cNvSpPr>
+            <a:spLocks noGrp="1"/>
+          </p:cNvSpPr>
+          <p:nvPr>
+            <p:ph type="title"/>
+          </p:nvPr>
+        </p:nvSpPr>
+        <p:spPr/>
+        <p:txBody>
+          <a:bodyPr/>
+          <a:lstStyle/>
+          <a:p>
+            <a:r>
+              <a:rPr lang="en-US" altLang="zh-CN" dirty="0" smtClean="0"/>
+              <a:t>Algorithm framework</a:t>
+            </a:r>
+            <a:endParaRPr lang="zh-CN" altLang="en-US" dirty="0"/>
+          </a:p>
+        </p:txBody>
+      </p:sp>
+      <p:sp>
+        <p:nvSpPr>
+          <p:cNvPr id="4" name="内容占位符 3"/>
+          <p:cNvSpPr>
+            <a:spLocks noGrp="1"/>
+          </p:cNvSpPr>
+          <p:nvPr>
+            <p:ph sz="quarter" idx="1"/>
+          </p:nvPr>
+        </p:nvSpPr>
+        <p:spPr>
+          <a:xfrm>
+            <a:off x="457200" y="1600200"/>
+            <a:ext cx="7715200" cy="4873752"/>
+          </a:xfrm>
+        </p:spPr>
+        <p:txBody>
+          <a:bodyPr/>
+          <a:lstStyle/>
+          <a:p>
+            <a:r>
+              <a:rPr lang="en-US" altLang="zh-CN" dirty="0" smtClean="0"/>
               <a:t>Step 4</a:t>
             </a:r>
             <a:r>
@@ -6855,6 +7865,81 @@
             <a:r>
               <a:rPr lang="en-US" altLang="zh-CN" dirty="0" smtClean="0"/>
               <a:t>4.</a:t>
+            </a:r>
+            <a:endParaRPr lang="zh-CN" altLang="en-US" dirty="0"/>
+          </a:p>
+        </p:txBody>
+      </p:sp>
+    </p:spTree>
+  </p:cSld>
+  <p:clrMapOvr>
+    <a:masterClrMapping/>
+  </p:clrMapOvr>
+</p:sld>
+</file>
+
+<file path=ppt/slides/slide9.xml><?xml version="1.0" encoding="utf-8"?>
+<p:sld xmlns:a="http://schemas.openxmlformats.org/drawingml/2006/main" xmlns:r="http://schemas.openxmlformats.org/officeDocument/2006/relationships" xmlns:p="http://schemas.openxmlformats.org/presentationml/2006/main">
+  <p:cSld>
+    <p:spTree>
+      <p:nvGrpSpPr>
+        <p:cNvPr id="1" name=""/>
+        <p:cNvGrpSpPr/>
+        <p:nvPr/>
+      </p:nvGrpSpPr>
+      <p:grpSpPr>
+        <a:xfrm>
+          <a:off x="0" y="0"/>
+          <a:ext cx="0" cy="0"/>
+          <a:chOff x="0" y="0"/>
+          <a:chExt cx="0" cy="0"/>
+        </a:xfrm>
+      </p:grpSpPr>
+      <p:sp>
+        <p:nvSpPr>
+          <p:cNvPr id="4" name="标题 3"/>
+          <p:cNvSpPr>
+            <a:spLocks noGrp="1"/>
+          </p:cNvSpPr>
+          <p:nvPr>
+            <p:ph type="title"/>
+          </p:nvPr>
+        </p:nvSpPr>
+        <p:spPr/>
+        <p:txBody>
+          <a:bodyPr/>
+          <a:lstStyle/>
+          <a:p>
+            <a:r>
+              <a:rPr lang="zh-CN" altLang="en-US" dirty="0" smtClean="0"/>
+              <a:t>编程实现与求解</a:t>
+            </a:r>
+            <a:r>
+              <a:rPr lang="en-US" altLang="zh-CN" dirty="0" smtClean="0"/>
+              <a:t>	</a:t>
+            </a:r>
+            <a:endParaRPr lang="zh-CN" altLang="en-US" dirty="0"/>
+          </a:p>
+        </p:txBody>
+      </p:sp>
+      <p:sp>
+        <p:nvSpPr>
+          <p:cNvPr id="5" name="文本占位符 4"/>
+          <p:cNvSpPr>
+            <a:spLocks noGrp="1"/>
+          </p:cNvSpPr>
+          <p:nvPr>
+            <p:ph type="body" idx="1"/>
+          </p:nvPr>
+        </p:nvSpPr>
+        <p:spPr/>
+        <p:txBody>
+          <a:bodyPr/>
+          <a:lstStyle/>
+          <a:p>
+            <a:r>
+              <a:rPr lang="en-US" altLang="zh-CN" dirty="0" smtClean="0"/>
+              <a:t>Implementation</a:t>
             </a:r>
             <a:endParaRPr lang="zh-CN" altLang="en-US" dirty="0"/>
           </a:p>
